--- a/twiton.pptx
+++ b/twiton.pptx
@@ -4,20 +4,25 @@
   <p:sldMasterIdLst>
     <p:sldMasterId id="2147483648" r:id="rId1"/>
   </p:sldMasterIdLst>
+  <p:notesMasterIdLst>
+    <p:notesMasterId r:id="rId17"/>
+  </p:notesMasterIdLst>
   <p:sldIdLst>
     <p:sldId id="256" r:id="rId2"/>
     <p:sldId id="257" r:id="rId3"/>
     <p:sldId id="259" r:id="rId4"/>
     <p:sldId id="262" r:id="rId5"/>
-    <p:sldId id="263" r:id="rId6"/>
-    <p:sldId id="264" r:id="rId7"/>
-    <p:sldId id="266" r:id="rId8"/>
-    <p:sldId id="261" r:id="rId9"/>
-    <p:sldId id="267" r:id="rId10"/>
-    <p:sldId id="268" r:id="rId11"/>
-    <p:sldId id="265" r:id="rId12"/>
-    <p:sldId id="269" r:id="rId13"/>
-    <p:sldId id="258" r:id="rId14"/>
+    <p:sldId id="270" r:id="rId6"/>
+    <p:sldId id="266" r:id="rId7"/>
+    <p:sldId id="261" r:id="rId8"/>
+    <p:sldId id="267" r:id="rId9"/>
+    <p:sldId id="268" r:id="rId10"/>
+    <p:sldId id="265" r:id="rId11"/>
+    <p:sldId id="272" r:id="rId12"/>
+    <p:sldId id="258" r:id="rId13"/>
+    <p:sldId id="269" r:id="rId14"/>
+    <p:sldId id="271" r:id="rId15"/>
+    <p:sldId id="273" r:id="rId16"/>
   </p:sldIdLst>
   <p:sldSz cx="12192000" cy="6858000"/>
   <p:notesSz cx="6858000" cy="9144000"/>
@@ -116,7 +121,458 @@
       </a:defRPr>
     </a:lvl9pPr>
   </p:defaultTextStyle>
+  <p:extLst>
+    <p:ext uri="{EFAFB233-063F-42B5-8137-9DF3F51BA10A}">
+      <p15:sldGuideLst xmlns:p15="http://schemas.microsoft.com/office/powerpoint/2012/main"/>
+    </p:ext>
+  </p:extLst>
 </p:presentation>
+</file>
+
+<file path=ppt/commentAuthors.xml><?xml version="1.0" encoding="utf-8"?>
+<p:cmAuthorLst xmlns:a="http://schemas.openxmlformats.org/drawingml/2006/main" xmlns:r="http://schemas.openxmlformats.org/officeDocument/2006/relationships" xmlns:p="http://schemas.openxmlformats.org/presentationml/2006/main">
+  <p:cmAuthor id="1" name="Ivan Mazharov" initials="IM" lastIdx="1" clrIdx="0">
+    <p:extLst>
+      <p:ext uri="{19B8F6BF-5375-455C-9EA6-DF929625EA0E}">
+        <p15:presenceInfo xmlns:p15="http://schemas.microsoft.com/office/powerpoint/2012/main" userId="5ca04ec69d05de94" providerId="Windows Live"/>
+      </p:ext>
+    </p:extLst>
+  </p:cmAuthor>
+</p:cmAuthorLst>
+</file>
+
+<file path=ppt/notesMasters/notesMaster1.xml><?xml version="1.0" encoding="utf-8"?>
+<p:notesMaster xmlns:a="http://schemas.openxmlformats.org/drawingml/2006/main" xmlns:r="http://schemas.openxmlformats.org/officeDocument/2006/relationships" xmlns:p="http://schemas.openxmlformats.org/presentationml/2006/main">
+  <p:cSld>
+    <p:bg>
+      <p:bgRef idx="1001">
+        <a:schemeClr val="bg1"/>
+      </p:bgRef>
+    </p:bg>
+    <p:spTree>
+      <p:nvGrpSpPr>
+        <p:cNvPr id="1" name=""/>
+        <p:cNvGrpSpPr/>
+        <p:nvPr/>
+      </p:nvGrpSpPr>
+      <p:grpSpPr>
+        <a:xfrm>
+          <a:off x="0" y="0"/>
+          <a:ext cx="0" cy="0"/>
+          <a:chOff x="0" y="0"/>
+          <a:chExt cx="0" cy="0"/>
+        </a:xfrm>
+      </p:grpSpPr>
+      <p:sp>
+        <p:nvSpPr>
+          <p:cNvPr id="2" name="Верхний колонтитул 1"/>
+          <p:cNvSpPr>
+            <a:spLocks noGrp="1"/>
+          </p:cNvSpPr>
+          <p:nvPr>
+            <p:ph type="hdr" sz="quarter"/>
+          </p:nvPr>
+        </p:nvSpPr>
+        <p:spPr>
+          <a:xfrm>
+            <a:off x="0" y="0"/>
+            <a:ext cx="2971800" cy="458788"/>
+          </a:xfrm>
+          <a:prstGeom prst="rect">
+            <a:avLst/>
+          </a:prstGeom>
+        </p:spPr>
+        <p:txBody>
+          <a:bodyPr vert="horz" lIns="91440" tIns="45720" rIns="91440" bIns="45720" rtlCol="0"/>
+          <a:lstStyle>
+            <a:lvl1pPr algn="l">
+              <a:defRPr sz="1200"/>
+            </a:lvl1pPr>
+          </a:lstStyle>
+          <a:p>
+            <a:endParaRPr lang="ru-RU"/>
+          </a:p>
+        </p:txBody>
+      </p:sp>
+      <p:sp>
+        <p:nvSpPr>
+          <p:cNvPr id="3" name="Дата 2"/>
+          <p:cNvSpPr>
+            <a:spLocks noGrp="1"/>
+          </p:cNvSpPr>
+          <p:nvPr>
+            <p:ph type="dt" idx="1"/>
+          </p:nvPr>
+        </p:nvSpPr>
+        <p:spPr>
+          <a:xfrm>
+            <a:off x="3884613" y="0"/>
+            <a:ext cx="2971800" cy="458788"/>
+          </a:xfrm>
+          <a:prstGeom prst="rect">
+            <a:avLst/>
+          </a:prstGeom>
+        </p:spPr>
+        <p:txBody>
+          <a:bodyPr vert="horz" lIns="91440" tIns="45720" rIns="91440" bIns="45720" rtlCol="0"/>
+          <a:lstStyle>
+            <a:lvl1pPr algn="r">
+              <a:defRPr sz="1200"/>
+            </a:lvl1pPr>
+          </a:lstStyle>
+          <a:p>
+            <a:fld id="{597BF69E-0A36-4F6C-A0B9-3DFD336F68DB}" type="datetimeFigureOut">
+              <a:rPr lang="ru-RU" smtClean="0"/>
+              <a:t>17.12.2017</a:t>
+            </a:fld>
+            <a:endParaRPr lang="ru-RU"/>
+          </a:p>
+        </p:txBody>
+      </p:sp>
+      <p:sp>
+        <p:nvSpPr>
+          <p:cNvPr id="4" name="Образ слайда 3"/>
+          <p:cNvSpPr>
+            <a:spLocks noGrp="1" noRot="1" noChangeAspect="1"/>
+          </p:cNvSpPr>
+          <p:nvPr>
+            <p:ph type="sldImg" idx="2"/>
+          </p:nvPr>
+        </p:nvSpPr>
+        <p:spPr>
+          <a:xfrm>
+            <a:off x="685800" y="1143000"/>
+            <a:ext cx="5486400" cy="3086100"/>
+          </a:xfrm>
+          <a:prstGeom prst="rect">
+            <a:avLst/>
+          </a:prstGeom>
+          <a:noFill/>
+          <a:ln w="12700">
+            <a:solidFill>
+              <a:prstClr val="black"/>
+            </a:solidFill>
+          </a:ln>
+        </p:spPr>
+        <p:txBody>
+          <a:bodyPr vert="horz" lIns="91440" tIns="45720" rIns="91440" bIns="45720" rtlCol="0" anchor="ctr"/>
+          <a:lstStyle/>
+          <a:p>
+            <a:endParaRPr lang="ru-RU"/>
+          </a:p>
+        </p:txBody>
+      </p:sp>
+      <p:sp>
+        <p:nvSpPr>
+          <p:cNvPr id="5" name="Заметки 4"/>
+          <p:cNvSpPr>
+            <a:spLocks noGrp="1"/>
+          </p:cNvSpPr>
+          <p:nvPr>
+            <p:ph type="body" sz="quarter" idx="3"/>
+          </p:nvPr>
+        </p:nvSpPr>
+        <p:spPr>
+          <a:xfrm>
+            <a:off x="685800" y="4400550"/>
+            <a:ext cx="5486400" cy="3600450"/>
+          </a:xfrm>
+          <a:prstGeom prst="rect">
+            <a:avLst/>
+          </a:prstGeom>
+        </p:spPr>
+        <p:txBody>
+          <a:bodyPr vert="horz" lIns="91440" tIns="45720" rIns="91440" bIns="45720" rtlCol="0"/>
+          <a:lstStyle/>
+          <a:p>
+            <a:pPr lvl="0"/>
+            <a:r>
+              <a:rPr lang="ru-RU" smtClean="0"/>
+              <a:t>Образец текста</a:t>
+            </a:r>
+          </a:p>
+          <a:p>
+            <a:pPr lvl="1"/>
+            <a:r>
+              <a:rPr lang="ru-RU" smtClean="0"/>
+              <a:t>Второй уровень</a:t>
+            </a:r>
+          </a:p>
+          <a:p>
+            <a:pPr lvl="2"/>
+            <a:r>
+              <a:rPr lang="ru-RU" smtClean="0"/>
+              <a:t>Третий уровень</a:t>
+            </a:r>
+          </a:p>
+          <a:p>
+            <a:pPr lvl="3"/>
+            <a:r>
+              <a:rPr lang="ru-RU" smtClean="0"/>
+              <a:t>Четвертый уровень</a:t>
+            </a:r>
+          </a:p>
+          <a:p>
+            <a:pPr lvl="4"/>
+            <a:r>
+              <a:rPr lang="ru-RU" smtClean="0"/>
+              <a:t>Пятый уровень</a:t>
+            </a:r>
+            <a:endParaRPr lang="ru-RU"/>
+          </a:p>
+        </p:txBody>
+      </p:sp>
+      <p:sp>
+        <p:nvSpPr>
+          <p:cNvPr id="6" name="Нижний колонтитул 5"/>
+          <p:cNvSpPr>
+            <a:spLocks noGrp="1"/>
+          </p:cNvSpPr>
+          <p:nvPr>
+            <p:ph type="ftr" sz="quarter" idx="4"/>
+          </p:nvPr>
+        </p:nvSpPr>
+        <p:spPr>
+          <a:xfrm>
+            <a:off x="0" y="8685213"/>
+            <a:ext cx="2971800" cy="458787"/>
+          </a:xfrm>
+          <a:prstGeom prst="rect">
+            <a:avLst/>
+          </a:prstGeom>
+        </p:spPr>
+        <p:txBody>
+          <a:bodyPr vert="horz" lIns="91440" tIns="45720" rIns="91440" bIns="45720" rtlCol="0" anchor="b"/>
+          <a:lstStyle>
+            <a:lvl1pPr algn="l">
+              <a:defRPr sz="1200"/>
+            </a:lvl1pPr>
+          </a:lstStyle>
+          <a:p>
+            <a:endParaRPr lang="ru-RU"/>
+          </a:p>
+        </p:txBody>
+      </p:sp>
+      <p:sp>
+        <p:nvSpPr>
+          <p:cNvPr id="7" name="Номер слайда 6"/>
+          <p:cNvSpPr>
+            <a:spLocks noGrp="1"/>
+          </p:cNvSpPr>
+          <p:nvPr>
+            <p:ph type="sldNum" sz="quarter" idx="5"/>
+          </p:nvPr>
+        </p:nvSpPr>
+        <p:spPr>
+          <a:xfrm>
+            <a:off x="3884613" y="8685213"/>
+            <a:ext cx="2971800" cy="458787"/>
+          </a:xfrm>
+          <a:prstGeom prst="rect">
+            <a:avLst/>
+          </a:prstGeom>
+        </p:spPr>
+        <p:txBody>
+          <a:bodyPr vert="horz" lIns="91440" tIns="45720" rIns="91440" bIns="45720" rtlCol="0" anchor="b"/>
+          <a:lstStyle>
+            <a:lvl1pPr algn="r">
+              <a:defRPr sz="1200"/>
+            </a:lvl1pPr>
+          </a:lstStyle>
+          <a:p>
+            <a:fld id="{247C483D-B4FE-4434-BE47-BCC62E09C28A}" type="slidenum">
+              <a:rPr lang="ru-RU" smtClean="0"/>
+              <a:t>‹#›</a:t>
+            </a:fld>
+            <a:endParaRPr lang="ru-RU"/>
+          </a:p>
+        </p:txBody>
+      </p:sp>
+    </p:spTree>
+    <p:extLst>
+      <p:ext uri="{BB962C8B-B14F-4D97-AF65-F5344CB8AC3E}">
+        <p14:creationId xmlns:p14="http://schemas.microsoft.com/office/powerpoint/2010/main" val="579963183"/>
+      </p:ext>
+    </p:extLst>
+  </p:cSld>
+  <p:clrMap bg1="lt1" tx1="dk1" bg2="lt2" tx2="dk2" accent1="accent1" accent2="accent2" accent3="accent3" accent4="accent4" accent5="accent5" accent6="accent6" hlink="hlink" folHlink="folHlink"/>
+  <p:notesStyle>
+    <a:lvl1pPr marL="0" algn="l" defTabSz="914400" rtl="0" eaLnBrk="1" latinLnBrk="0" hangingPunct="1">
+      <a:defRPr sz="1200" kern="1200">
+        <a:solidFill>
+          <a:schemeClr val="tx1"/>
+        </a:solidFill>
+        <a:latin typeface="+mn-lt"/>
+        <a:ea typeface="+mn-ea"/>
+        <a:cs typeface="+mn-cs"/>
+      </a:defRPr>
+    </a:lvl1pPr>
+    <a:lvl2pPr marL="457200" algn="l" defTabSz="914400" rtl="0" eaLnBrk="1" latinLnBrk="0" hangingPunct="1">
+      <a:defRPr sz="1200" kern="1200">
+        <a:solidFill>
+          <a:schemeClr val="tx1"/>
+        </a:solidFill>
+        <a:latin typeface="+mn-lt"/>
+        <a:ea typeface="+mn-ea"/>
+        <a:cs typeface="+mn-cs"/>
+      </a:defRPr>
+    </a:lvl2pPr>
+    <a:lvl3pPr marL="914400" algn="l" defTabSz="914400" rtl="0" eaLnBrk="1" latinLnBrk="0" hangingPunct="1">
+      <a:defRPr sz="1200" kern="1200">
+        <a:solidFill>
+          <a:schemeClr val="tx1"/>
+        </a:solidFill>
+        <a:latin typeface="+mn-lt"/>
+        <a:ea typeface="+mn-ea"/>
+        <a:cs typeface="+mn-cs"/>
+      </a:defRPr>
+    </a:lvl3pPr>
+    <a:lvl4pPr marL="1371600" algn="l" defTabSz="914400" rtl="0" eaLnBrk="1" latinLnBrk="0" hangingPunct="1">
+      <a:defRPr sz="1200" kern="1200">
+        <a:solidFill>
+          <a:schemeClr val="tx1"/>
+        </a:solidFill>
+        <a:latin typeface="+mn-lt"/>
+        <a:ea typeface="+mn-ea"/>
+        <a:cs typeface="+mn-cs"/>
+      </a:defRPr>
+    </a:lvl4pPr>
+    <a:lvl5pPr marL="1828800" algn="l" defTabSz="914400" rtl="0" eaLnBrk="1" latinLnBrk="0" hangingPunct="1">
+      <a:defRPr sz="1200" kern="1200">
+        <a:solidFill>
+          <a:schemeClr val="tx1"/>
+        </a:solidFill>
+        <a:latin typeface="+mn-lt"/>
+        <a:ea typeface="+mn-ea"/>
+        <a:cs typeface="+mn-cs"/>
+      </a:defRPr>
+    </a:lvl5pPr>
+    <a:lvl6pPr marL="2286000" algn="l" defTabSz="914400" rtl="0" eaLnBrk="1" latinLnBrk="0" hangingPunct="1">
+      <a:defRPr sz="1200" kern="1200">
+        <a:solidFill>
+          <a:schemeClr val="tx1"/>
+        </a:solidFill>
+        <a:latin typeface="+mn-lt"/>
+        <a:ea typeface="+mn-ea"/>
+        <a:cs typeface="+mn-cs"/>
+      </a:defRPr>
+    </a:lvl6pPr>
+    <a:lvl7pPr marL="2743200" algn="l" defTabSz="914400" rtl="0" eaLnBrk="1" latinLnBrk="0" hangingPunct="1">
+      <a:defRPr sz="1200" kern="1200">
+        <a:solidFill>
+          <a:schemeClr val="tx1"/>
+        </a:solidFill>
+        <a:latin typeface="+mn-lt"/>
+        <a:ea typeface="+mn-ea"/>
+        <a:cs typeface="+mn-cs"/>
+      </a:defRPr>
+    </a:lvl7pPr>
+    <a:lvl8pPr marL="3200400" algn="l" defTabSz="914400" rtl="0" eaLnBrk="1" latinLnBrk="0" hangingPunct="1">
+      <a:defRPr sz="1200" kern="1200">
+        <a:solidFill>
+          <a:schemeClr val="tx1"/>
+        </a:solidFill>
+        <a:latin typeface="+mn-lt"/>
+        <a:ea typeface="+mn-ea"/>
+        <a:cs typeface="+mn-cs"/>
+      </a:defRPr>
+    </a:lvl8pPr>
+    <a:lvl9pPr marL="3657600" algn="l" defTabSz="914400" rtl="0" eaLnBrk="1" latinLnBrk="0" hangingPunct="1">
+      <a:defRPr sz="1200" kern="1200">
+        <a:solidFill>
+          <a:schemeClr val="tx1"/>
+        </a:solidFill>
+        <a:latin typeface="+mn-lt"/>
+        <a:ea typeface="+mn-ea"/>
+        <a:cs typeface="+mn-cs"/>
+      </a:defRPr>
+    </a:lvl9pPr>
+  </p:notesStyle>
+</p:notesMaster>
+</file>
+
+<file path=ppt/notesSlides/notesSlide1.xml><?xml version="1.0" encoding="utf-8"?>
+<p:notes xmlns:a="http://schemas.openxmlformats.org/drawingml/2006/main" xmlns:r="http://schemas.openxmlformats.org/officeDocument/2006/relationships" xmlns:p="http://schemas.openxmlformats.org/presentationml/2006/main">
+  <p:cSld>
+    <p:spTree>
+      <p:nvGrpSpPr>
+        <p:cNvPr id="1" name=""/>
+        <p:cNvGrpSpPr/>
+        <p:nvPr/>
+      </p:nvGrpSpPr>
+      <p:grpSpPr>
+        <a:xfrm>
+          <a:off x="0" y="0"/>
+          <a:ext cx="0" cy="0"/>
+          <a:chOff x="0" y="0"/>
+          <a:chExt cx="0" cy="0"/>
+        </a:xfrm>
+      </p:grpSpPr>
+      <p:sp>
+        <p:nvSpPr>
+          <p:cNvPr id="2" name="Образ слайда 1"/>
+          <p:cNvSpPr>
+            <a:spLocks noGrp="1" noRot="1" noChangeAspect="1"/>
+          </p:cNvSpPr>
+          <p:nvPr>
+            <p:ph type="sldImg"/>
+          </p:nvPr>
+        </p:nvSpPr>
+        <p:spPr/>
+      </p:sp>
+      <p:sp>
+        <p:nvSpPr>
+          <p:cNvPr id="3" name="Заметки 2"/>
+          <p:cNvSpPr>
+            <a:spLocks noGrp="1"/>
+          </p:cNvSpPr>
+          <p:nvPr>
+            <p:ph type="body" idx="1"/>
+          </p:nvPr>
+        </p:nvSpPr>
+        <p:spPr/>
+        <p:txBody>
+          <a:bodyPr/>
+          <a:lstStyle/>
+          <a:p>
+            <a:endParaRPr lang="ru-RU" dirty="0"/>
+          </a:p>
+        </p:txBody>
+      </p:sp>
+      <p:sp>
+        <p:nvSpPr>
+          <p:cNvPr id="4" name="Номер слайда 3"/>
+          <p:cNvSpPr>
+            <a:spLocks noGrp="1"/>
+          </p:cNvSpPr>
+          <p:nvPr>
+            <p:ph type="sldNum" sz="quarter" idx="10"/>
+          </p:nvPr>
+        </p:nvSpPr>
+        <p:spPr/>
+        <p:txBody>
+          <a:bodyPr/>
+          <a:lstStyle/>
+          <a:p>
+            <a:fld id="{247C483D-B4FE-4434-BE47-BCC62E09C28A}" type="slidenum">
+              <a:rPr lang="ru-RU" smtClean="0"/>
+              <a:t>14</a:t>
+            </a:fld>
+            <a:endParaRPr lang="ru-RU"/>
+          </a:p>
+        </p:txBody>
+      </p:sp>
+    </p:spTree>
+    <p:extLst>
+      <p:ext uri="{BB962C8B-B14F-4D97-AF65-F5344CB8AC3E}">
+        <p14:creationId xmlns:p14="http://schemas.microsoft.com/office/powerpoint/2010/main" val="356466824"/>
+      </p:ext>
+    </p:extLst>
+  </p:cSld>
+  <p:clrMapOvr>
+    <a:masterClrMapping/>
+  </p:clrMapOvr>
+</p:notes>
 </file>
 
 <file path=ppt/slideLayouts/slideLayout1.xml><?xml version="1.0" encoding="utf-8"?>
@@ -2976,115 +3432,60 @@
           <a:chExt cx="0" cy="0"/>
         </a:xfrm>
       </p:grpSpPr>
-      <p:sp>
-        <p:nvSpPr>
-          <p:cNvPr id="2" name="Заголовок 1"/>
-          <p:cNvSpPr>
-            <a:spLocks noGrp="1"/>
-          </p:cNvSpPr>
-          <p:nvPr>
-            <p:ph type="ctrTitle"/>
-          </p:nvPr>
-        </p:nvSpPr>
+      <p:pic>
+        <p:nvPicPr>
+          <p:cNvPr id="9" name="Рисунок 8"/>
+          <p:cNvPicPr>
+            <a:picLocks noChangeAspect="1"/>
+          </p:cNvPicPr>
+          <p:nvPr/>
+        </p:nvPicPr>
+        <p:blipFill>
+          <a:blip r:embed="rId2">
+            <a:extLst>
+              <a:ext uri="{28A0092B-C50C-407E-A947-70E740481C1C}">
+                <a14:useLocalDpi xmlns:a14="http://schemas.microsoft.com/office/drawing/2010/main" val="0"/>
+              </a:ext>
+            </a:extLst>
+          </a:blip>
+          <a:stretch>
+            <a:fillRect/>
+          </a:stretch>
+        </p:blipFill>
         <p:spPr>
           <a:xfrm>
-            <a:off x="1465810" y="2203017"/>
-            <a:ext cx="9144000" cy="2387600"/>
-          </a:xfrm>
-        </p:spPr>
-        <p:txBody>
-          <a:bodyPr>
-            <a:noAutofit/>
-          </a:bodyPr>
-          <a:lstStyle/>
-          <a:p>
-            <a:r>
-              <a:rPr lang="en-US" sz="19600" dirty="0" err="1" smtClean="0">
-                <a:solidFill>
-                  <a:srgbClr val="00ACED"/>
-                </a:solidFill>
-                <a:latin typeface="PicoBlackAl" panose="00000800000000000000" pitchFamily="2" charset="0"/>
-              </a:rPr>
-              <a:t>twiton</a:t>
-            </a:r>
-            <a:endParaRPr lang="ru-RU" sz="19600" dirty="0">
-              <a:solidFill>
-                <a:srgbClr val="00ACED"/>
-              </a:solidFill>
-            </a:endParaRPr>
-          </a:p>
-        </p:txBody>
-      </p:sp>
-      <p:sp>
-        <p:nvSpPr>
-          <p:cNvPr id="3" name="Подзаголовок 2"/>
-          <p:cNvSpPr>
-            <a:spLocks noGrp="1"/>
-          </p:cNvSpPr>
-          <p:nvPr>
-            <p:ph type="subTitle" idx="1"/>
-          </p:nvPr>
-        </p:nvSpPr>
-        <p:spPr>
-          <a:xfrm>
-            <a:off x="7284721" y="4117428"/>
-            <a:ext cx="3106189" cy="745518"/>
-          </a:xfrm>
-        </p:spPr>
-        <p:txBody>
-          <a:bodyPr/>
-          <a:lstStyle/>
-          <a:p>
-            <a:r>
-              <a:rPr lang="en-US" dirty="0" smtClean="0">
-                <a:solidFill>
-                  <a:srgbClr val="00ACED"/>
-                </a:solidFill>
-                <a:latin typeface="PicoBlackAl" panose="00000800000000000000" pitchFamily="2" charset="0"/>
-              </a:rPr>
-              <a:t>On python</a:t>
-            </a:r>
-            <a:endParaRPr lang="ru-RU" dirty="0">
-              <a:solidFill>
-                <a:srgbClr val="00ACED"/>
-              </a:solidFill>
-            </a:endParaRPr>
-          </a:p>
-        </p:txBody>
-      </p:sp>
-      <p:sp>
-        <p:nvSpPr>
-          <p:cNvPr id="5" name="TextBox 4"/>
-          <p:cNvSpPr txBox="1"/>
-          <p:nvPr/>
-        </p:nvSpPr>
-        <p:spPr>
-          <a:xfrm>
-            <a:off x="4092632" y="5461461"/>
-            <a:ext cx="4139738" cy="369332"/>
+            <a:off x="0" y="0"/>
+            <a:ext cx="12192000" cy="6858000"/>
           </a:xfrm>
           <a:prstGeom prst="rect">
             <a:avLst/>
           </a:prstGeom>
-          <a:noFill/>
         </p:spPr>
-        <p:txBody>
-          <a:bodyPr wrap="square" rtlCol="0">
-            <a:spAutoFit/>
-          </a:bodyPr>
-          <a:lstStyle/>
-          <a:p>
-            <a:r>
-              <a:rPr lang="ru-RU" dirty="0" smtClean="0">
-                <a:solidFill>
-                  <a:srgbClr val="00ACED"/>
-                </a:solidFill>
-              </a:rPr>
-              <a:t>Лоскутов  Филин  Мажаров  Смирнов</a:t>
-            </a:r>
-          </a:p>
-        </p:txBody>
-      </p:sp>
+      </p:pic>
+      <p:pic>
+        <p:nvPicPr>
+          <p:cNvPr id="8" name="Рисунок 7"/>
+          <p:cNvPicPr>
+            <a:picLocks noChangeAspect="1"/>
+          </p:cNvPicPr>
+          <p:nvPr/>
+        </p:nvPicPr>
+        <p:blipFill>
+          <a:blip r:embed="rId3"/>
+          <a:stretch>
+            <a:fillRect/>
+          </a:stretch>
+        </p:blipFill>
+        <p:spPr>
+          <a:xfrm>
+            <a:off x="1653118" y="957457"/>
+            <a:ext cx="9018766" cy="3618780"/>
+          </a:xfrm>
+          <a:prstGeom prst="rect">
+            <a:avLst/>
+          </a:prstGeom>
+        </p:spPr>
+      </p:pic>
     </p:spTree>
     <p:extLst>
       <p:ext uri="{BB962C8B-B14F-4D97-AF65-F5344CB8AC3E}">
@@ -3095,6 +3496,13 @@
   <p:clrMapOvr>
     <a:masterClrMapping/>
   </p:clrMapOvr>
+  <p:timing>
+    <p:tnLst>
+      <p:par>
+        <p:cTn id="1" dur="indefinite" restart="never" nodeType="tmRoot"/>
+      </p:par>
+    </p:tnLst>
+  </p:timing>
 </p:sld>
 </file>
 
@@ -3117,24 +3525,228 @@
       </p:grpSpPr>
       <p:pic>
         <p:nvPicPr>
-          <p:cNvPr id="4" name="Объект 3"/>
+          <p:cNvPr id="10" name="Рисунок 9"/>
           <p:cNvPicPr>
-            <a:picLocks noGrp="1" noChangeAspect="1"/>
+            <a:picLocks noChangeAspect="1"/>
           </p:cNvPicPr>
-          <p:nvPr>
-            <p:ph idx="1"/>
-          </p:nvPr>
+          <p:nvPr/>
         </p:nvPicPr>
         <p:blipFill>
-          <a:blip r:embed="rId2"/>
+          <a:blip r:embed="rId2">
+            <a:extLst>
+              <a:ext uri="{28A0092B-C50C-407E-A947-70E740481C1C}">
+                <a14:useLocalDpi xmlns:a14="http://schemas.microsoft.com/office/drawing/2010/main" val="0"/>
+              </a:ext>
+            </a:extLst>
+          </a:blip>
           <a:stretch>
             <a:fillRect/>
           </a:stretch>
         </p:blipFill>
         <p:spPr>
           <a:xfrm>
-            <a:off x="1429790" y="296791"/>
-            <a:ext cx="9625242" cy="6320747"/>
+            <a:off x="0" y="0"/>
+            <a:ext cx="12192000" cy="6858000"/>
+          </a:xfrm>
+          <a:prstGeom prst="rect">
+            <a:avLst/>
+          </a:prstGeom>
+        </p:spPr>
+      </p:pic>
+      <p:sp>
+        <p:nvSpPr>
+          <p:cNvPr id="2" name="Заголовок 1"/>
+          <p:cNvSpPr>
+            <a:spLocks noGrp="1"/>
+          </p:cNvSpPr>
+          <p:nvPr>
+            <p:ph type="title"/>
+          </p:nvPr>
+        </p:nvSpPr>
+        <p:spPr/>
+        <p:txBody>
+          <a:bodyPr/>
+          <a:lstStyle/>
+          <a:p>
+            <a:r>
+              <a:rPr lang="en-US" b="1" dirty="0" smtClean="0"/>
+              <a:t>The best of the best of the best</a:t>
+            </a:r>
+            <a:endParaRPr lang="ru-RU" b="1" dirty="0"/>
+          </a:p>
+        </p:txBody>
+      </p:sp>
+      <p:sp>
+        <p:nvSpPr>
+          <p:cNvPr id="3" name="Объект 2"/>
+          <p:cNvSpPr>
+            <a:spLocks noGrp="1"/>
+          </p:cNvSpPr>
+          <p:nvPr>
+            <p:ph idx="1"/>
+          </p:nvPr>
+        </p:nvSpPr>
+        <p:spPr/>
+        <p:txBody>
+          <a:bodyPr/>
+          <a:lstStyle/>
+          <a:p>
+            <a:r>
+              <a:rPr lang="ru-RU" dirty="0" smtClean="0"/>
+              <a:t>Обработка текста:</a:t>
+            </a:r>
+            <a:r>
+              <a:rPr lang="en-US" dirty="0" smtClean="0"/>
+              <a:t>		</a:t>
+            </a:r>
+            <a:r>
+              <a:rPr lang="ru-RU" dirty="0" smtClean="0"/>
+              <a:t>Самые «тяжелые» слова модели</a:t>
+            </a:r>
+            <a:endParaRPr lang="en-US" dirty="0" smtClean="0"/>
+          </a:p>
+          <a:p>
+            <a:pPr lvl="1"/>
+            <a:r>
+              <a:rPr lang="ru-RU" dirty="0" err="1" smtClean="0"/>
+              <a:t>Лемматизация</a:t>
+            </a:r>
+            <a:r>
+              <a:rPr lang="ru-RU" dirty="0" smtClean="0"/>
+              <a:t> с </a:t>
+            </a:r>
+          </a:p>
+          <a:p>
+            <a:pPr marL="457200" lvl="1" indent="0">
+              <a:buNone/>
+            </a:pPr>
+            <a:r>
+              <a:rPr lang="ru-RU" dirty="0"/>
+              <a:t>	</a:t>
+            </a:r>
+            <a:r>
+              <a:rPr lang="ru-RU" dirty="0" smtClean="0"/>
+              <a:t>отбрасыванием</a:t>
+            </a:r>
+            <a:r>
+              <a:rPr lang="en-US" dirty="0" smtClean="0"/>
+              <a:t>				</a:t>
+            </a:r>
+            <a:endParaRPr lang="ru-RU" dirty="0" smtClean="0"/>
+          </a:p>
+          <a:p>
+            <a:pPr lvl="1"/>
+            <a:r>
+              <a:rPr lang="en-US" dirty="0" smtClean="0"/>
+              <a:t>Count </a:t>
+            </a:r>
+            <a:r>
+              <a:rPr lang="en-US" dirty="0" err="1" smtClean="0"/>
+              <a:t>Vectorizer</a:t>
+            </a:r>
+            <a:r>
+              <a:rPr lang="en-US" dirty="0" smtClean="0"/>
+              <a:t>				</a:t>
+            </a:r>
+            <a:endParaRPr lang="ru-RU" dirty="0"/>
+          </a:p>
+          <a:p>
+            <a:r>
+              <a:rPr lang="ru-RU" dirty="0" smtClean="0"/>
+              <a:t>Признаки</a:t>
+            </a:r>
+            <a:r>
+              <a:rPr lang="en-US" dirty="0" smtClean="0"/>
+              <a:t>					</a:t>
+            </a:r>
+            <a:endParaRPr lang="ru-RU" dirty="0" smtClean="0"/>
+          </a:p>
+          <a:p>
+            <a:pPr lvl="1"/>
+            <a:r>
+              <a:rPr lang="en-US" dirty="0" smtClean="0"/>
+              <a:t>Word</a:t>
+            </a:r>
+            <a:r>
+              <a:rPr lang="ru-RU" dirty="0" smtClean="0"/>
+              <a:t> </a:t>
+            </a:r>
+            <a:r>
+              <a:rPr lang="en-US" dirty="0" smtClean="0"/>
+              <a:t>n-gram  </a:t>
+            </a:r>
+            <a:r>
+              <a:rPr lang="en-US" dirty="0" smtClean="0"/>
+              <a:t>= (1,3)			</a:t>
+            </a:r>
+          </a:p>
+          <a:p>
+            <a:pPr lvl="1"/>
+            <a:r>
+              <a:rPr lang="en-US" dirty="0" smtClean="0"/>
+              <a:t>Min-</a:t>
+            </a:r>
+            <a:r>
+              <a:rPr lang="en-US" dirty="0" err="1" smtClean="0"/>
+              <a:t>df</a:t>
+            </a:r>
+            <a:r>
+              <a:rPr lang="en-US" dirty="0" smtClean="0"/>
+              <a:t> = 1				</a:t>
+            </a:r>
+            <a:endParaRPr lang="en-US" dirty="0"/>
+          </a:p>
+          <a:p>
+            <a:r>
+              <a:rPr lang="ru-RU" dirty="0" smtClean="0"/>
+              <a:t>Модель</a:t>
+            </a:r>
+            <a:r>
+              <a:rPr lang="en-US" dirty="0" smtClean="0"/>
+              <a:t>					</a:t>
+            </a:r>
+          </a:p>
+          <a:p>
+            <a:pPr lvl="1"/>
+            <a:r>
+              <a:rPr lang="ru-RU" dirty="0" smtClean="0"/>
+              <a:t>Логистическая регрессия</a:t>
+            </a:r>
+            <a:r>
+              <a:rPr lang="en-US" dirty="0" smtClean="0"/>
+              <a:t>		</a:t>
+            </a:r>
+          </a:p>
+          <a:p>
+            <a:pPr lvl="2"/>
+            <a:r>
+              <a:rPr lang="en-US" dirty="0" smtClean="0"/>
+              <a:t>C = 0.5				</a:t>
+            </a:r>
+          </a:p>
+          <a:p>
+            <a:endParaRPr lang="ru-RU" dirty="0"/>
+          </a:p>
+        </p:txBody>
+      </p:sp>
+      <p:pic>
+        <p:nvPicPr>
+          <p:cNvPr id="14" name="Рисунок 13"/>
+          <p:cNvPicPr>
+            <a:picLocks noChangeAspect="1"/>
+          </p:cNvPicPr>
+          <p:nvPr/>
+        </p:nvPicPr>
+        <p:blipFill>
+          <a:blip r:embed="rId3"/>
+          <a:stretch>
+            <a:fillRect/>
+          </a:stretch>
+        </p:blipFill>
+        <p:spPr>
+          <a:xfrm>
+            <a:off x="5967892" y="2429886"/>
+            <a:ext cx="3187356" cy="3145084"/>
           </a:xfrm>
           <a:prstGeom prst="rect">
             <a:avLst/>
@@ -3144,13 +3756,20 @@
     </p:spTree>
     <p:extLst>
       <p:ext uri="{BB962C8B-B14F-4D97-AF65-F5344CB8AC3E}">
-        <p14:creationId xmlns:p14="http://schemas.microsoft.com/office/powerpoint/2010/main" val="3175491973"/>
+        <p14:creationId xmlns:p14="http://schemas.microsoft.com/office/powerpoint/2010/main" val="3987088985"/>
       </p:ext>
     </p:extLst>
   </p:cSld>
   <p:clrMapOvr>
     <a:masterClrMapping/>
   </p:clrMapOvr>
+  <p:timing>
+    <p:tnLst>
+      <p:par>
+        <p:cTn id="1" dur="indefinite" restart="never" nodeType="tmRoot"/>
+      </p:par>
+    </p:tnLst>
+  </p:timing>
 </p:sld>
 </file>
 
@@ -3171,187 +3790,551 @@
           <a:chExt cx="0" cy="0"/>
         </a:xfrm>
       </p:grpSpPr>
-      <p:sp>
-        <p:nvSpPr>
-          <p:cNvPr id="2" name="Заголовок 1"/>
-          <p:cNvSpPr>
-            <a:spLocks noGrp="1"/>
-          </p:cNvSpPr>
-          <p:nvPr>
-            <p:ph type="title"/>
-          </p:nvPr>
-        </p:nvSpPr>
-        <p:spPr/>
-        <p:txBody>
-          <a:bodyPr/>
-          <a:lstStyle/>
-          <a:p>
-            <a:r>
-              <a:rPr lang="en-US" dirty="0" smtClean="0"/>
-              <a:t>The best of the best of the best</a:t>
-            </a:r>
-            <a:endParaRPr lang="ru-RU" dirty="0"/>
-          </a:p>
-        </p:txBody>
-      </p:sp>
-      <p:sp>
-        <p:nvSpPr>
-          <p:cNvPr id="3" name="Объект 2"/>
-          <p:cNvSpPr>
-            <a:spLocks noGrp="1"/>
-          </p:cNvSpPr>
-          <p:nvPr>
-            <p:ph idx="1"/>
-          </p:nvPr>
-        </p:nvSpPr>
-        <p:spPr/>
-        <p:txBody>
-          <a:bodyPr/>
-          <a:lstStyle/>
-          <a:p>
-            <a:r>
-              <a:rPr lang="ru-RU" dirty="0" smtClean="0"/>
-              <a:t>Обработка текста:</a:t>
-            </a:r>
-            <a:r>
-              <a:rPr lang="en-US" dirty="0" smtClean="0"/>
-              <a:t>		</a:t>
-            </a:r>
-            <a:r>
-              <a:rPr lang="ru-RU" dirty="0" smtClean="0"/>
-              <a:t>Самые «тяжелые» слова модели</a:t>
-            </a:r>
-            <a:endParaRPr lang="en-US" dirty="0" smtClean="0"/>
-          </a:p>
-          <a:p>
-            <a:pPr lvl="1"/>
-            <a:r>
-              <a:rPr lang="en-US" dirty="0" smtClean="0"/>
-              <a:t>Stemming				</a:t>
-            </a:r>
-            <a:endParaRPr lang="ru-RU" dirty="0" smtClean="0"/>
-          </a:p>
-          <a:p>
-            <a:pPr lvl="1"/>
-            <a:r>
-              <a:rPr lang="en-US" dirty="0" smtClean="0"/>
-              <a:t>Count </a:t>
-            </a:r>
-            <a:r>
-              <a:rPr lang="en-US" dirty="0" err="1" smtClean="0"/>
-              <a:t>Vectorizer</a:t>
-            </a:r>
-            <a:r>
-              <a:rPr lang="en-US" dirty="0" smtClean="0"/>
-              <a:t>				</a:t>
-            </a:r>
-            <a:endParaRPr lang="ru-RU" dirty="0"/>
-          </a:p>
-          <a:p>
-            <a:r>
-              <a:rPr lang="ru-RU" dirty="0" smtClean="0"/>
-              <a:t>Признаки</a:t>
-            </a:r>
-            <a:r>
-              <a:rPr lang="en-US" dirty="0" smtClean="0"/>
-              <a:t>					</a:t>
-            </a:r>
-            <a:endParaRPr lang="ru-RU" dirty="0" smtClean="0"/>
-          </a:p>
-          <a:p>
-            <a:pPr lvl="1"/>
-            <a:r>
-              <a:rPr lang="en-US" dirty="0" err="1" smtClean="0"/>
-              <a:t>wordn</a:t>
-            </a:r>
-            <a:r>
-              <a:rPr lang="en-US" dirty="0" smtClean="0"/>
-              <a:t>-gram  = (1,3)			</a:t>
-            </a:r>
-          </a:p>
-          <a:p>
-            <a:pPr lvl="1"/>
-            <a:r>
-              <a:rPr lang="en-US" dirty="0" smtClean="0"/>
-              <a:t>Min-</a:t>
-            </a:r>
-            <a:r>
-              <a:rPr lang="en-US" dirty="0" err="1" smtClean="0"/>
-              <a:t>df</a:t>
-            </a:r>
-            <a:r>
-              <a:rPr lang="en-US" dirty="0" smtClean="0"/>
-              <a:t> = 1				</a:t>
-            </a:r>
-            <a:endParaRPr lang="en-US" dirty="0"/>
-          </a:p>
-          <a:p>
-            <a:r>
-              <a:rPr lang="ru-RU" dirty="0" smtClean="0"/>
-              <a:t>Модель</a:t>
-            </a:r>
-            <a:r>
-              <a:rPr lang="en-US" dirty="0" smtClean="0"/>
-              <a:t>					</a:t>
-            </a:r>
-          </a:p>
-          <a:p>
-            <a:pPr lvl="1"/>
-            <a:r>
-              <a:rPr lang="ru-RU" dirty="0" smtClean="0"/>
-              <a:t>Логистическая регрессия</a:t>
-            </a:r>
-            <a:r>
-              <a:rPr lang="en-US" dirty="0" smtClean="0"/>
-              <a:t>		</a:t>
-            </a:r>
-          </a:p>
-          <a:p>
-            <a:pPr lvl="2"/>
-            <a:r>
-              <a:rPr lang="en-US" dirty="0" smtClean="0"/>
-              <a:t>C = 0.5				</a:t>
-            </a:r>
-          </a:p>
-          <a:p>
-            <a:endParaRPr lang="ru-RU" dirty="0"/>
-          </a:p>
-        </p:txBody>
-      </p:sp>
       <p:pic>
         <p:nvPicPr>
-          <p:cNvPr id="6" name="Рисунок 5"/>
+          <p:cNvPr id="9" name="Рисунок 8"/>
           <p:cNvPicPr>
             <a:picLocks noChangeAspect="1"/>
           </p:cNvPicPr>
           <p:nvPr/>
         </p:nvPicPr>
         <p:blipFill>
-          <a:blip r:embed="rId2"/>
+          <a:blip r:embed="rId2">
+            <a:extLst>
+              <a:ext uri="{28A0092B-C50C-407E-A947-70E740481C1C}">
+                <a14:useLocalDpi xmlns:a14="http://schemas.microsoft.com/office/drawing/2010/main" val="0"/>
+              </a:ext>
+            </a:extLst>
+          </a:blip>
           <a:stretch>
             <a:fillRect/>
           </a:stretch>
         </p:blipFill>
         <p:spPr>
           <a:xfrm>
-            <a:off x="5989059" y="2243931"/>
-            <a:ext cx="2790825" cy="3514725"/>
+            <a:off x="0" y="8878"/>
+            <a:ext cx="12192000" cy="6858000"/>
           </a:xfrm>
           <a:prstGeom prst="rect">
             <a:avLst/>
           </a:prstGeom>
         </p:spPr>
       </p:pic>
+      <p:sp>
+        <p:nvSpPr>
+          <p:cNvPr id="2" name="Заголовок 1"/>
+          <p:cNvSpPr>
+            <a:spLocks noGrp="1"/>
+          </p:cNvSpPr>
+          <p:nvPr>
+            <p:ph type="title"/>
+          </p:nvPr>
+        </p:nvSpPr>
+        <p:spPr>
+          <a:xfrm>
+            <a:off x="838200" y="254470"/>
+            <a:ext cx="10515600" cy="1325563"/>
+          </a:xfrm>
+        </p:spPr>
+        <p:txBody>
+          <a:bodyPr/>
+          <a:lstStyle/>
+          <a:p>
+            <a:r>
+              <a:rPr lang="ru-RU" b="1" dirty="0" smtClean="0"/>
+              <a:t>Сравнение результатов</a:t>
+            </a:r>
+            <a:endParaRPr lang="ru-RU" b="1" dirty="0"/>
+          </a:p>
+        </p:txBody>
+      </p:sp>
+      <p:graphicFrame>
+        <p:nvGraphicFramePr>
+          <p:cNvPr id="4" name="Объект 3"/>
+          <p:cNvGraphicFramePr>
+            <a:graphicFrameLocks noGrp="1"/>
+          </p:cNvGraphicFramePr>
+          <p:nvPr>
+            <p:ph idx="1"/>
+            <p:extLst>
+              <p:ext uri="{D42A27DB-BD31-4B8C-83A1-F6EECF244321}">
+                <p14:modId xmlns:p14="http://schemas.microsoft.com/office/powerpoint/2010/main" val="2400322494"/>
+              </p:ext>
+            </p:extLst>
+          </p:nvPr>
+        </p:nvGraphicFramePr>
+        <p:xfrm>
+          <a:off x="838200" y="1467814"/>
+          <a:ext cx="10515600" cy="3307080"/>
+        </p:xfrm>
+        <a:graphic>
+          <a:graphicData uri="http://schemas.openxmlformats.org/drawingml/2006/table">
+            <a:tbl>
+              <a:tblPr>
+                <a:tableStyleId>{073A0DAA-6AF3-43AB-8588-CEC1D06C72B9}</a:tableStyleId>
+              </a:tblPr>
+              <a:tblGrid>
+                <a:gridCol w="3505200">
+                  <a:extLst>
+                    <a:ext uri="{9D8B030D-6E8A-4147-A177-3AD203B41FA5}">
+                      <a16:colId xmlns:a16="http://schemas.microsoft.com/office/drawing/2014/main" val="492662930"/>
+                    </a:ext>
+                  </a:extLst>
+                </a:gridCol>
+                <a:gridCol w="3505200">
+                  <a:extLst>
+                    <a:ext uri="{9D8B030D-6E8A-4147-A177-3AD203B41FA5}">
+                      <a16:colId xmlns:a16="http://schemas.microsoft.com/office/drawing/2014/main" val="3004003896"/>
+                    </a:ext>
+                  </a:extLst>
+                </a:gridCol>
+                <a:gridCol w="3505200">
+                  <a:extLst>
+                    <a:ext uri="{9D8B030D-6E8A-4147-A177-3AD203B41FA5}">
+                      <a16:colId xmlns:a16="http://schemas.microsoft.com/office/drawing/2014/main" val="519652136"/>
+                    </a:ext>
+                  </a:extLst>
+                </a:gridCol>
+              </a:tblGrid>
+              <a:tr h="370840">
+                <a:tc>
+                  <a:txBody>
+                    <a:bodyPr/>
+                    <a:lstStyle/>
+                    <a:p>
+                      <a:r>
+                        <a:rPr lang="ru-RU" dirty="0" smtClean="0"/>
+                        <a:t>Название</a:t>
+                      </a:r>
+                      <a:r>
+                        <a:rPr lang="ru-RU" baseline="0" dirty="0" smtClean="0"/>
+                        <a:t> работы</a:t>
+                      </a:r>
+                      <a:endParaRPr lang="ru-RU" dirty="0"/>
+                    </a:p>
+                  </a:txBody>
+                  <a:tcPr/>
+                </a:tc>
+                <a:tc>
+                  <a:txBody>
+                    <a:bodyPr/>
+                    <a:lstStyle/>
+                    <a:p>
+                      <a:r>
+                        <a:rPr lang="ru-RU" dirty="0" smtClean="0"/>
+                        <a:t>Имя авторов</a:t>
+                      </a:r>
+                      <a:endParaRPr lang="ru-RU" dirty="0"/>
+                    </a:p>
+                  </a:txBody>
+                  <a:tcPr/>
+                </a:tc>
+                <a:tc>
+                  <a:txBody>
+                    <a:bodyPr/>
+                    <a:lstStyle/>
+                    <a:p>
+                      <a:r>
+                        <a:rPr lang="ru-RU" dirty="0" smtClean="0"/>
+                        <a:t>Результат</a:t>
+                      </a:r>
+                      <a:r>
+                        <a:rPr lang="ru-RU" baseline="0" dirty="0" smtClean="0"/>
+                        <a:t> (</a:t>
+                      </a:r>
+                      <a:r>
+                        <a:rPr lang="en-US" baseline="0" dirty="0" smtClean="0"/>
+                        <a:t>F1</a:t>
+                      </a:r>
+                      <a:r>
+                        <a:rPr lang="ru-RU" baseline="0" dirty="0" smtClean="0"/>
+                        <a:t> мера)</a:t>
+                      </a:r>
+                      <a:endParaRPr lang="ru-RU" dirty="0"/>
+                    </a:p>
+                  </a:txBody>
+                  <a:tcPr/>
+                </a:tc>
+                <a:extLst>
+                  <a:ext uri="{0D108BD9-81ED-4DB2-BD59-A6C34878D82A}">
+                    <a16:rowId xmlns:a16="http://schemas.microsoft.com/office/drawing/2014/main" val="2262467472"/>
+                  </a:ext>
+                </a:extLst>
+              </a:tr>
+              <a:tr h="370840">
+                <a:tc>
+                  <a:txBody>
+                    <a:bodyPr/>
+                    <a:lstStyle/>
+                    <a:p>
+                      <a:r>
+                        <a:rPr lang="ru-RU" dirty="0" smtClean="0"/>
+                        <a:t>Классификация эмоциональной̆ окраски сообщений в социальных сетях</a:t>
+                      </a:r>
+                      <a:endParaRPr lang="ru-RU" dirty="0"/>
+                    </a:p>
+                  </a:txBody>
+                  <a:tcPr/>
+                </a:tc>
+                <a:tc>
+                  <a:txBody>
+                    <a:bodyPr/>
+                    <a:lstStyle/>
+                    <a:p>
+                      <a:r>
+                        <a:rPr lang="ru-RU" dirty="0" smtClean="0"/>
+                        <a:t>Савинов Н.А</a:t>
+                      </a:r>
+                      <a:endParaRPr lang="ru-RU" dirty="0"/>
+                    </a:p>
+                  </a:txBody>
+                  <a:tcPr/>
+                </a:tc>
+                <a:tc>
+                  <a:txBody>
+                    <a:bodyPr/>
+                    <a:lstStyle/>
+                    <a:p>
+                      <a:r>
+                        <a:rPr lang="ru-RU" dirty="0" smtClean="0"/>
+                        <a:t>72.3%</a:t>
+                      </a:r>
+                      <a:endParaRPr lang="ru-RU" dirty="0"/>
+                    </a:p>
+                  </a:txBody>
+                  <a:tcPr/>
+                </a:tc>
+                <a:extLst>
+                  <a:ext uri="{0D108BD9-81ED-4DB2-BD59-A6C34878D82A}">
+                    <a16:rowId xmlns:a16="http://schemas.microsoft.com/office/drawing/2014/main" val="2186649026"/>
+                  </a:ext>
+                </a:extLst>
+              </a:tr>
+              <a:tr h="370840">
+                <a:tc>
+                  <a:txBody>
+                    <a:bodyPr/>
+                    <a:lstStyle/>
+                    <a:p>
+                      <a:r>
+                        <a:rPr lang="ru-RU" dirty="0" smtClean="0"/>
+                        <a:t>Анализ тональности сообщений социальной сети </a:t>
+                      </a:r>
+                      <a:r>
+                        <a:rPr lang="ru-RU" dirty="0" err="1" smtClean="0"/>
+                        <a:t>twitter</a:t>
+                      </a:r>
+                      <a:endParaRPr lang="ru-RU" dirty="0"/>
+                    </a:p>
+                  </a:txBody>
+                  <a:tcPr/>
+                </a:tc>
+                <a:tc>
+                  <a:txBody>
+                    <a:bodyPr/>
+                    <a:lstStyle/>
+                    <a:p>
+                      <a:r>
+                        <a:rPr lang="ru-RU" dirty="0" smtClean="0"/>
+                        <a:t>Цветков А.Д.</a:t>
+                      </a:r>
+                      <a:endParaRPr lang="ru-RU" dirty="0"/>
+                    </a:p>
+                  </a:txBody>
+                  <a:tcPr/>
+                </a:tc>
+                <a:tc>
+                  <a:txBody>
+                    <a:bodyPr/>
+                    <a:lstStyle/>
+                    <a:p>
+                      <a:r>
+                        <a:rPr lang="ru-RU" dirty="0" smtClean="0"/>
+                        <a:t>76.2%</a:t>
+                      </a:r>
+                      <a:endParaRPr lang="ru-RU" dirty="0"/>
+                    </a:p>
+                  </a:txBody>
+                  <a:tcPr/>
+                </a:tc>
+                <a:extLst>
+                  <a:ext uri="{0D108BD9-81ED-4DB2-BD59-A6C34878D82A}">
+                    <a16:rowId xmlns:a16="http://schemas.microsoft.com/office/drawing/2014/main" val="3859177657"/>
+                  </a:ext>
+                </a:extLst>
+              </a:tr>
+              <a:tr h="370840">
+                <a:tc>
+                  <a:txBody>
+                    <a:bodyPr/>
+                    <a:lstStyle/>
+                    <a:p>
+                      <a:r>
+                        <a:rPr lang="en-US" dirty="0" smtClean="0"/>
+                        <a:t>Sentiment Analysis of Twitter Data</a:t>
+                      </a:r>
+                      <a:endParaRPr lang="ru-RU" dirty="0"/>
+                    </a:p>
+                  </a:txBody>
+                  <a:tcPr/>
+                </a:tc>
+                <a:tc>
+                  <a:txBody>
+                    <a:bodyPr/>
+                    <a:lstStyle/>
+                    <a:p>
+                      <a:r>
+                        <a:rPr lang="en-US" dirty="0" err="1" smtClean="0"/>
+                        <a:t>Apoorv</a:t>
+                      </a:r>
+                      <a:r>
+                        <a:rPr lang="en-US" dirty="0" smtClean="0"/>
+                        <a:t> Agarwal, </a:t>
+                      </a:r>
+                      <a:r>
+                        <a:rPr lang="en-US" dirty="0" err="1" smtClean="0"/>
+                        <a:t>Boyi</a:t>
+                      </a:r>
+                      <a:r>
+                        <a:rPr lang="en-US" dirty="0" smtClean="0"/>
+                        <a:t> </a:t>
+                      </a:r>
+                      <a:r>
+                        <a:rPr lang="en-US" dirty="0" err="1" smtClean="0"/>
+                        <a:t>Xie</a:t>
+                      </a:r>
+                      <a:r>
+                        <a:rPr lang="en-US" dirty="0" smtClean="0"/>
+                        <a:t>, Ilia </a:t>
+                      </a:r>
+                      <a:r>
+                        <a:rPr lang="en-US" dirty="0" err="1" smtClean="0"/>
+                        <a:t>Vovsha</a:t>
+                      </a:r>
+                      <a:endParaRPr lang="ru-RU" dirty="0"/>
+                    </a:p>
+                  </a:txBody>
+                  <a:tcPr/>
+                </a:tc>
+                <a:tc>
+                  <a:txBody>
+                    <a:bodyPr/>
+                    <a:lstStyle/>
+                    <a:p>
+                      <a:r>
+                        <a:rPr lang="ru-RU" dirty="0" smtClean="0"/>
+                        <a:t>75.86%</a:t>
+                      </a:r>
+                      <a:endParaRPr lang="ru-RU" dirty="0"/>
+                    </a:p>
+                  </a:txBody>
+                  <a:tcPr/>
+                </a:tc>
+                <a:extLst>
+                  <a:ext uri="{0D108BD9-81ED-4DB2-BD59-A6C34878D82A}">
+                    <a16:rowId xmlns:a16="http://schemas.microsoft.com/office/drawing/2014/main" val="3792463047"/>
+                  </a:ext>
+                </a:extLst>
+              </a:tr>
+              <a:tr h="370840">
+                <a:tc>
+                  <a:txBody>
+                    <a:bodyPr/>
+                    <a:lstStyle/>
+                    <a:p>
+                      <a:r>
+                        <a:rPr lang="ru-RU" dirty="0" smtClean="0"/>
+                        <a:t>Наша модель</a:t>
+                      </a:r>
+                      <a:endParaRPr lang="ru-RU" dirty="0"/>
+                    </a:p>
+                  </a:txBody>
+                  <a:tcPr/>
+                </a:tc>
+                <a:tc>
+                  <a:txBody>
+                    <a:bodyPr/>
+                    <a:lstStyle/>
+                    <a:p>
+                      <a:endParaRPr lang="ru-RU" dirty="0"/>
+                    </a:p>
+                  </a:txBody>
+                  <a:tcPr/>
+                </a:tc>
+                <a:tc>
+                  <a:txBody>
+                    <a:bodyPr/>
+                    <a:lstStyle/>
+                    <a:p>
+                      <a:r>
+                        <a:rPr lang="ru-RU" dirty="0" smtClean="0"/>
+                        <a:t>76.4%</a:t>
+                      </a:r>
+                      <a:endParaRPr lang="ru-RU" dirty="0"/>
+                    </a:p>
+                  </a:txBody>
+                  <a:tcPr/>
+                </a:tc>
+                <a:extLst>
+                  <a:ext uri="{0D108BD9-81ED-4DB2-BD59-A6C34878D82A}">
+                    <a16:rowId xmlns:a16="http://schemas.microsoft.com/office/drawing/2014/main" val="307500878"/>
+                  </a:ext>
+                </a:extLst>
+              </a:tr>
+              <a:tr h="370840">
+                <a:tc>
+                  <a:txBody>
+                    <a:bodyPr/>
+                    <a:lstStyle/>
+                    <a:p>
+                      <a:r>
+                        <a:rPr lang="ru-RU" dirty="0" smtClean="0"/>
+                        <a:t>Человек в среднем</a:t>
+                      </a:r>
+                      <a:endParaRPr lang="ru-RU" dirty="0"/>
+                    </a:p>
+                  </a:txBody>
+                  <a:tcPr/>
+                </a:tc>
+                <a:tc>
+                  <a:txBody>
+                    <a:bodyPr/>
+                    <a:lstStyle/>
+                    <a:p>
+                      <a:endParaRPr lang="ru-RU" dirty="0"/>
+                    </a:p>
+                  </a:txBody>
+                  <a:tcPr/>
+                </a:tc>
+                <a:tc>
+                  <a:txBody>
+                    <a:bodyPr/>
+                    <a:lstStyle/>
+                    <a:p>
+                      <a:r>
+                        <a:rPr lang="ru-RU" dirty="0" smtClean="0"/>
+                        <a:t>79%</a:t>
+                      </a:r>
+                      <a:endParaRPr lang="ru-RU" dirty="0"/>
+                    </a:p>
+                  </a:txBody>
+                  <a:tcPr/>
+                </a:tc>
+                <a:extLst>
+                  <a:ext uri="{0D108BD9-81ED-4DB2-BD59-A6C34878D82A}">
+                    <a16:rowId xmlns:a16="http://schemas.microsoft.com/office/drawing/2014/main" val="3371971239"/>
+                  </a:ext>
+                </a:extLst>
+              </a:tr>
+            </a:tbl>
+          </a:graphicData>
+        </a:graphic>
+      </p:graphicFrame>
+      <p:sp>
+        <p:nvSpPr>
+          <p:cNvPr id="8" name="TextBox 7"/>
+          <p:cNvSpPr txBox="1"/>
+          <p:nvPr/>
+        </p:nvSpPr>
+        <p:spPr>
+          <a:xfrm>
+            <a:off x="914399" y="4896802"/>
+            <a:ext cx="10111666" cy="1477328"/>
+          </a:xfrm>
+          <a:prstGeom prst="rect">
+            <a:avLst/>
+          </a:prstGeom>
+          <a:solidFill>
+            <a:schemeClr val="bg1"/>
+          </a:solidFill>
+        </p:spPr>
+        <p:txBody>
+          <a:bodyPr wrap="square" rtlCol="0">
+            <a:spAutoFit/>
+          </a:bodyPr>
+          <a:lstStyle/>
+          <a:p>
+            <a:r>
+              <a:rPr lang="ru-RU" dirty="0" smtClean="0"/>
+              <a:t>Ссылки:</a:t>
+            </a:r>
+          </a:p>
+          <a:p>
+            <a:pPr marL="285750" indent="-285750">
+              <a:buFont typeface="Arial" panose="020B0604020202020204" pitchFamily="34" charset="0"/>
+              <a:buChar char="•"/>
+            </a:pPr>
+            <a:r>
+              <a:rPr lang="en-US" dirty="0"/>
+              <a:t>http://citeseerx.ist.psu.edu/viewdoc/download?doi=10.1.1.348.4054&amp;rep=rep1&amp;type=pdf</a:t>
+            </a:r>
+          </a:p>
+          <a:p>
+            <a:pPr marL="285750" indent="-285750">
+              <a:buFont typeface="Arial" panose="020B0604020202020204" pitchFamily="34" charset="0"/>
+              <a:buChar char="•"/>
+            </a:pPr>
+            <a:r>
+              <a:rPr lang="en-US" dirty="0"/>
+              <a:t>http://www.csd.tsu.ru/sites/default/files/</a:t>
+            </a:r>
+            <a:r>
+              <a:rPr lang="ru-RU" dirty="0"/>
+              <a:t>Хранилище/</a:t>
+            </a:r>
+            <a:r>
+              <a:rPr lang="en-US" dirty="0"/>
+              <a:t>people/</a:t>
+            </a:r>
+            <a:r>
+              <a:rPr lang="ru-RU" dirty="0"/>
+              <a:t>выпускники/2013/</a:t>
+            </a:r>
+            <a:r>
+              <a:rPr lang="en-US" dirty="0"/>
+              <a:t>diplom_Svetkov.pdf</a:t>
+            </a:r>
+          </a:p>
+          <a:p>
+            <a:pPr marL="285750" indent="-285750">
+              <a:buFont typeface="Arial" panose="020B0604020202020204" pitchFamily="34" charset="0"/>
+              <a:buChar char="•"/>
+            </a:pPr>
+            <a:r>
+              <a:rPr lang="en-US" dirty="0"/>
+              <a:t>http://www.machinelearning.ru/wiki/images/b/be/SavinovThesis2013.pdf</a:t>
+            </a:r>
+          </a:p>
+          <a:p>
+            <a:pPr marL="285750" indent="-285750">
+              <a:buFont typeface="Arial" panose="020B0604020202020204" pitchFamily="34" charset="0"/>
+              <a:buChar char="•"/>
+            </a:pPr>
+            <a:r>
+              <a:rPr lang="en-US" dirty="0"/>
+              <a:t>http://mashable.com/2010/04/19/sentiment-analysis/#9tPwLHXSH5qz</a:t>
+            </a:r>
+            <a:endParaRPr lang="ru-RU" dirty="0"/>
+          </a:p>
+        </p:txBody>
+      </p:sp>
     </p:spTree>
     <p:extLst>
       <p:ext uri="{BB962C8B-B14F-4D97-AF65-F5344CB8AC3E}">
-        <p14:creationId xmlns:p14="http://schemas.microsoft.com/office/powerpoint/2010/main" val="3987088985"/>
+        <p14:creationId xmlns:p14="http://schemas.microsoft.com/office/powerpoint/2010/main" val="1737390786"/>
       </p:ext>
     </p:extLst>
   </p:cSld>
   <p:clrMapOvr>
     <a:masterClrMapping/>
   </p:clrMapOvr>
+  <p:timing>
+    <p:tnLst>
+      <p:par>
+        <p:cTn id="1" dur="indefinite" restart="never" nodeType="tmRoot"/>
+      </p:par>
+    </p:tnLst>
+  </p:timing>
 </p:sld>
 </file>
 
@@ -3372,6 +4355,36 @@
           <a:chExt cx="0" cy="0"/>
         </a:xfrm>
       </p:grpSpPr>
+      <p:pic>
+        <p:nvPicPr>
+          <p:cNvPr id="4" name="Рисунок 3"/>
+          <p:cNvPicPr>
+            <a:picLocks noChangeAspect="1"/>
+          </p:cNvPicPr>
+          <p:nvPr/>
+        </p:nvPicPr>
+        <p:blipFill>
+          <a:blip r:embed="rId2">
+            <a:extLst>
+              <a:ext uri="{28A0092B-C50C-407E-A947-70E740481C1C}">
+                <a14:useLocalDpi xmlns:a14="http://schemas.microsoft.com/office/drawing/2010/main" val="0"/>
+              </a:ext>
+            </a:extLst>
+          </a:blip>
+          <a:stretch>
+            <a:fillRect/>
+          </a:stretch>
+        </p:blipFill>
+        <p:spPr>
+          <a:xfrm>
+            <a:off x="0" y="0"/>
+            <a:ext cx="12192000" cy="6858000"/>
+          </a:xfrm>
+          <a:prstGeom prst="rect">
+            <a:avLst/>
+          </a:prstGeom>
+        </p:spPr>
+      </p:pic>
       <p:sp>
         <p:nvSpPr>
           <p:cNvPr id="2" name="Заголовок 1"/>
@@ -3388,70 +4401,152 @@
           <a:lstStyle/>
           <a:p>
             <a:r>
+              <a:rPr lang="ru-RU" b="1" dirty="0" smtClean="0"/>
+              <a:t>Бизнес задачи</a:t>
+            </a:r>
+            <a:endParaRPr lang="ru-RU" b="1" dirty="0"/>
+          </a:p>
+        </p:txBody>
+      </p:sp>
+      <p:sp>
+        <p:nvSpPr>
+          <p:cNvPr id="3" name="Объект 2"/>
+          <p:cNvSpPr>
+            <a:spLocks noGrp="1"/>
+          </p:cNvSpPr>
+          <p:nvPr>
+            <p:ph idx="1"/>
+          </p:nvPr>
+        </p:nvSpPr>
+        <p:spPr/>
+        <p:txBody>
+          <a:bodyPr>
+            <a:normAutofit/>
+          </a:bodyPr>
+          <a:lstStyle/>
+          <a:p>
+            <a:r>
+              <a:rPr lang="ru-RU" dirty="0" smtClean="0"/>
+              <a:t>Анализ </a:t>
+            </a:r>
+            <a:r>
+              <a:rPr lang="ru-RU" dirty="0" smtClean="0"/>
+              <a:t>отношения к продукту </a:t>
+            </a:r>
+            <a:r>
               <a:rPr lang="en-US" dirty="0" smtClean="0"/>
-              <a:t>Online</a:t>
-            </a:r>
-            <a:endParaRPr lang="ru-RU" dirty="0"/>
-          </a:p>
-        </p:txBody>
-      </p:sp>
-      <p:sp>
-        <p:nvSpPr>
-          <p:cNvPr id="3" name="Объект 2"/>
-          <p:cNvSpPr>
-            <a:spLocks noGrp="1"/>
-          </p:cNvSpPr>
-          <p:nvPr>
-            <p:ph idx="1"/>
-          </p:nvPr>
-        </p:nvSpPr>
-        <p:spPr/>
-        <p:txBody>
-          <a:bodyPr/>
-          <a:lstStyle/>
-          <a:p>
+              <a:t>/ </a:t>
+            </a:r>
             <a:r>
               <a:rPr lang="ru-RU" dirty="0" smtClean="0"/>
-              <a:t>Сервер: </a:t>
+              <a:t>компании / человеку</a:t>
+            </a:r>
+            <a:endParaRPr lang="ru-RU" dirty="0" smtClean="0"/>
+          </a:p>
+          <a:p>
+            <a:r>
+              <a:rPr lang="ru-RU" dirty="0" smtClean="0"/>
+              <a:t>Мониторинг</a:t>
+            </a:r>
+            <a:r>
+              <a:rPr lang="ru-RU" dirty="0" smtClean="0"/>
+              <a:t> </a:t>
+            </a:r>
+            <a:r>
+              <a:rPr lang="ru-RU" dirty="0" smtClean="0"/>
+              <a:t>отношения к событиям </a:t>
+            </a:r>
+            <a:endParaRPr lang="ru-RU" dirty="0" smtClean="0"/>
+          </a:p>
+          <a:p>
+            <a:r>
+              <a:rPr lang="ru-RU" dirty="0" smtClean="0"/>
+              <a:t>Реальные примеры:</a:t>
+            </a:r>
+          </a:p>
+          <a:p>
+            <a:pPr lvl="1"/>
+            <a:r>
+              <a:rPr lang="ru-RU" dirty="0" smtClean="0"/>
+              <a:t>Компания</a:t>
             </a:r>
             <a:r>
               <a:rPr lang="en-US" dirty="0" smtClean="0"/>
-              <a:t>Django</a:t>
-            </a:r>
-          </a:p>
-          <a:p>
+              <a:t> </a:t>
+            </a:r>
             <a:r>
               <a:rPr lang="ru-RU" dirty="0" smtClean="0"/>
-              <a:t>Общение: </a:t>
-            </a:r>
-            <a:r>
-              <a:rPr lang="en-US" dirty="0" err="1" smtClean="0"/>
-              <a:t>Javascript</a:t>
-            </a:r>
-            <a:endParaRPr lang="en-US" dirty="0" smtClean="0"/>
-          </a:p>
-          <a:p>
+              <a:t>«Роснефть» </a:t>
+            </a:r>
+            <a:r>
+              <a:rPr lang="ru-RU" dirty="0"/>
+              <a:t>объявила тендер на мониторинг СМИ и </a:t>
+            </a:r>
+            <a:r>
+              <a:rPr lang="ru-RU" dirty="0" err="1"/>
+              <a:t>соцсетей</a:t>
+            </a:r>
+            <a:r>
+              <a:rPr lang="ru-RU" dirty="0"/>
+              <a:t> по ключевому слову “</a:t>
+            </a:r>
+            <a:r>
+              <a:rPr lang="ru-RU" dirty="0" err="1"/>
+              <a:t>Сечин</a:t>
+            </a:r>
             <a:r>
               <a:rPr lang="ru-RU" dirty="0" smtClean="0"/>
-              <a:t>Представление: </a:t>
+              <a:t>”. Необходимо </a:t>
+            </a:r>
+            <a:r>
+              <a:rPr lang="ru-RU" dirty="0"/>
+              <a:t>делить отзывы на три </a:t>
+            </a:r>
+            <a:r>
+              <a:rPr lang="ru-RU" dirty="0" smtClean="0"/>
+              <a:t> столбика - </a:t>
+            </a:r>
+            <a:r>
+              <a:rPr lang="ru-RU" dirty="0"/>
+              <a:t>позитивные, отрицательные и </a:t>
+            </a:r>
+            <a:r>
+              <a:rPr lang="ru-RU" dirty="0" smtClean="0"/>
+              <a:t>нейтральные.</a:t>
+            </a:r>
+          </a:p>
+          <a:p>
+            <a:pPr lvl="1"/>
+            <a:r>
+              <a:rPr lang="ru-RU" dirty="0"/>
+              <a:t>Исследования показывают, что между тональностью сообщений в социальных сетях, блогах и публикациях в медиа и положением </a:t>
+            </a:r>
+            <a:r>
+              <a:rPr lang="ru-RU" dirty="0" smtClean="0"/>
+              <a:t>дел       </a:t>
+            </a:r>
+            <a:r>
+              <a:rPr lang="ru-RU" dirty="0"/>
+              <a:t>на финансовых рынках действительно существует определенная </a:t>
+            </a:r>
+            <a:r>
+              <a:rPr lang="ru-RU" dirty="0" smtClean="0"/>
+              <a:t>       связь </a:t>
             </a:r>
             <a:r>
               <a:rPr lang="en-US" dirty="0" smtClean="0"/>
-              <a:t>HTML 5, CSS</a:t>
-            </a:r>
-          </a:p>
-          <a:p>
-            <a:r>
-              <a:rPr lang="ru-RU" dirty="0" smtClean="0"/>
-              <a:t>Формат: </a:t>
-            </a:r>
-            <a:r>
-              <a:rPr lang="en-US" dirty="0" err="1" smtClean="0"/>
-              <a:t>json</a:t>
-            </a:r>
-            <a:endParaRPr lang="ru-RU" dirty="0" smtClean="0"/>
-          </a:p>
-          <a:p>
+              <a:t>(</a:t>
+            </a:r>
+            <a:r>
+              <a:rPr lang="en-US" dirty="0" err="1" smtClean="0">
+                <a:hlinkClick r:id="rId3"/>
+              </a:rPr>
+              <a:t>habrahabr</a:t>
+            </a:r>
+            <a:r>
+              <a:rPr lang="en-US" dirty="0" smtClean="0"/>
+              <a:t>)</a:t>
+            </a:r>
             <a:endParaRPr lang="ru-RU" dirty="0"/>
           </a:p>
         </p:txBody>
@@ -3459,13 +4554,20 @@
     </p:spTree>
     <p:extLst>
       <p:ext uri="{BB962C8B-B14F-4D97-AF65-F5344CB8AC3E}">
-        <p14:creationId xmlns:p14="http://schemas.microsoft.com/office/powerpoint/2010/main" val="2803464984"/>
+        <p14:creationId xmlns:p14="http://schemas.microsoft.com/office/powerpoint/2010/main" val="3965683742"/>
       </p:ext>
     </p:extLst>
   </p:cSld>
   <p:clrMapOvr>
     <a:masterClrMapping/>
   </p:clrMapOvr>
+  <p:timing>
+    <p:tnLst>
+      <p:par>
+        <p:cTn id="1" dur="indefinite" restart="never" nodeType="tmRoot"/>
+      </p:par>
+    </p:tnLst>
+  </p:timing>
 </p:sld>
 </file>
 
@@ -3486,6 +4588,36 @@
           <a:chExt cx="0" cy="0"/>
         </a:xfrm>
       </p:grpSpPr>
+      <p:pic>
+        <p:nvPicPr>
+          <p:cNvPr id="4" name="Рисунок 3"/>
+          <p:cNvPicPr>
+            <a:picLocks noChangeAspect="1"/>
+          </p:cNvPicPr>
+          <p:nvPr/>
+        </p:nvPicPr>
+        <p:blipFill>
+          <a:blip r:embed="rId2">
+            <a:extLst>
+              <a:ext uri="{28A0092B-C50C-407E-A947-70E740481C1C}">
+                <a14:useLocalDpi xmlns:a14="http://schemas.microsoft.com/office/drawing/2010/main" val="0"/>
+              </a:ext>
+            </a:extLst>
+          </a:blip>
+          <a:stretch>
+            <a:fillRect/>
+          </a:stretch>
+        </p:blipFill>
+        <p:spPr>
+          <a:xfrm>
+            <a:off x="0" y="8878"/>
+            <a:ext cx="12192000" cy="6858000"/>
+          </a:xfrm>
+          <a:prstGeom prst="rect">
+            <a:avLst/>
+          </a:prstGeom>
+        </p:spPr>
+      </p:pic>
       <p:sp>
         <p:nvSpPr>
           <p:cNvPr id="2" name="Заголовок 1"/>
@@ -3502,48 +4634,72 @@
           <a:lstStyle/>
           <a:p>
             <a:r>
+              <a:rPr lang="en-US" b="1" dirty="0" smtClean="0"/>
+              <a:t>Online</a:t>
+            </a:r>
+            <a:endParaRPr lang="ru-RU" b="1" dirty="0"/>
+          </a:p>
+        </p:txBody>
+      </p:sp>
+      <p:sp>
+        <p:nvSpPr>
+          <p:cNvPr id="3" name="Объект 2"/>
+          <p:cNvSpPr>
+            <a:spLocks noGrp="1"/>
+          </p:cNvSpPr>
+          <p:nvPr>
+            <p:ph idx="1"/>
+          </p:nvPr>
+        </p:nvSpPr>
+        <p:spPr/>
+        <p:txBody>
+          <a:bodyPr/>
+          <a:lstStyle/>
+          <a:p>
+            <a:r>
               <a:rPr lang="ru-RU" dirty="0" smtClean="0"/>
-              <a:t>(нах**?)</a:t>
-            </a:r>
-            <a:endParaRPr lang="ru-RU" dirty="0"/>
-          </a:p>
-        </p:txBody>
-      </p:sp>
-      <p:sp>
-        <p:nvSpPr>
-          <p:cNvPr id="3" name="Объект 2"/>
-          <p:cNvSpPr>
-            <a:spLocks noGrp="1"/>
-          </p:cNvSpPr>
-          <p:nvPr>
-            <p:ph idx="1"/>
-          </p:nvPr>
-        </p:nvSpPr>
-        <p:spPr/>
-        <p:txBody>
-          <a:bodyPr/>
-          <a:lstStyle/>
-          <a:p>
-            <a:r>
-              <a:rPr lang="ru-RU" dirty="0" err="1" smtClean="0"/>
-              <a:t>Сечин</a:t>
-            </a:r>
+              <a:t>Сервер: </a:t>
+            </a:r>
+            <a:r>
+              <a:rPr lang="en-US" dirty="0" smtClean="0"/>
+              <a:t>Django</a:t>
+            </a:r>
+          </a:p>
+          <a:p>
             <a:r>
               <a:rPr lang="ru-RU" dirty="0" smtClean="0"/>
-              <a:t> 5 000 000</a:t>
-            </a:r>
-          </a:p>
-          <a:p>
+              <a:t>Обработка запросов</a:t>
+            </a:r>
             <a:r>
               <a:rPr lang="ru-RU" dirty="0" smtClean="0"/>
-              <a:t>Анализ отношения к продукту определенных аудиторий</a:t>
-            </a:r>
+              <a:t>: </a:t>
+            </a:r>
+            <a:r>
+              <a:rPr lang="en-US" dirty="0" err="1" smtClean="0"/>
+              <a:t>Javascript</a:t>
+            </a:r>
+            <a:endParaRPr lang="en-US" dirty="0" smtClean="0"/>
           </a:p>
           <a:p>
             <a:r>
               <a:rPr lang="ru-RU" dirty="0" smtClean="0"/>
-              <a:t>Анализ отношения к событиям </a:t>
-            </a:r>
+              <a:t>Представление: </a:t>
+            </a:r>
+            <a:r>
+              <a:rPr lang="en-US" dirty="0" smtClean="0"/>
+              <a:t>HTML 5, CSS</a:t>
+            </a:r>
+          </a:p>
+          <a:p>
+            <a:r>
+              <a:rPr lang="ru-RU" dirty="0" smtClean="0"/>
+              <a:t>Формат: </a:t>
+            </a:r>
+            <a:r>
+              <a:rPr lang="en-US" dirty="0" err="1" smtClean="0"/>
+              <a:t>json</a:t>
+            </a:r>
+            <a:endParaRPr lang="ru-RU" dirty="0" smtClean="0"/>
           </a:p>
           <a:p>
             <a:endParaRPr lang="ru-RU" dirty="0"/>
@@ -3553,7 +4709,281 @@
     </p:spTree>
     <p:extLst>
       <p:ext uri="{BB962C8B-B14F-4D97-AF65-F5344CB8AC3E}">
-        <p14:creationId xmlns:p14="http://schemas.microsoft.com/office/powerpoint/2010/main" val="3965683742"/>
+        <p14:creationId xmlns:p14="http://schemas.microsoft.com/office/powerpoint/2010/main" val="2803464984"/>
+      </p:ext>
+    </p:extLst>
+  </p:cSld>
+  <p:clrMapOvr>
+    <a:masterClrMapping/>
+  </p:clrMapOvr>
+  <p:timing>
+    <p:tnLst>
+      <p:par>
+        <p:cTn id="1" dur="indefinite" restart="never" nodeType="tmRoot"/>
+      </p:par>
+    </p:tnLst>
+  </p:timing>
+</p:sld>
+</file>
+
+<file path=ppt/slides/slide14.xml><?xml version="1.0" encoding="utf-8"?>
+<p:sld xmlns:a="http://schemas.openxmlformats.org/drawingml/2006/main" xmlns:r="http://schemas.openxmlformats.org/officeDocument/2006/relationships" xmlns:p="http://schemas.openxmlformats.org/presentationml/2006/main">
+  <p:cSld>
+    <p:spTree>
+      <p:nvGrpSpPr>
+        <p:cNvPr id="1" name=""/>
+        <p:cNvGrpSpPr/>
+        <p:nvPr/>
+      </p:nvGrpSpPr>
+      <p:grpSpPr>
+        <a:xfrm>
+          <a:off x="0" y="0"/>
+          <a:ext cx="0" cy="0"/>
+          <a:chOff x="0" y="0"/>
+          <a:chExt cx="0" cy="0"/>
+        </a:xfrm>
+      </p:grpSpPr>
+      <p:pic>
+        <p:nvPicPr>
+          <p:cNvPr id="6" name="Рисунок 5"/>
+          <p:cNvPicPr>
+            <a:picLocks noChangeAspect="1"/>
+          </p:cNvPicPr>
+          <p:nvPr/>
+        </p:nvPicPr>
+        <p:blipFill>
+          <a:blip r:embed="rId3">
+            <a:extLst>
+              <a:ext uri="{28A0092B-C50C-407E-A947-70E740481C1C}">
+                <a14:useLocalDpi xmlns:a14="http://schemas.microsoft.com/office/drawing/2010/main" val="0"/>
+              </a:ext>
+            </a:extLst>
+          </a:blip>
+          <a:stretch>
+            <a:fillRect/>
+          </a:stretch>
+        </p:blipFill>
+        <p:spPr>
+          <a:xfrm>
+            <a:off x="1544715" y="15536"/>
+            <a:ext cx="9126244" cy="6844683"/>
+          </a:xfrm>
+          <a:prstGeom prst="rect">
+            <a:avLst/>
+          </a:prstGeom>
+        </p:spPr>
+      </p:pic>
+      <p:pic>
+        <p:nvPicPr>
+          <p:cNvPr id="4" name="Рисунок 3"/>
+          <p:cNvPicPr>
+            <a:picLocks noChangeAspect="1"/>
+          </p:cNvPicPr>
+          <p:nvPr/>
+        </p:nvPicPr>
+        <p:blipFill>
+          <a:blip r:embed="rId4">
+            <a:extLst>
+              <a:ext uri="{28A0092B-C50C-407E-A947-70E740481C1C}">
+                <a14:useLocalDpi xmlns:a14="http://schemas.microsoft.com/office/drawing/2010/main" val="0"/>
+              </a:ext>
+            </a:extLst>
+          </a:blip>
+          <a:stretch>
+            <a:fillRect/>
+          </a:stretch>
+        </p:blipFill>
+        <p:spPr>
+          <a:xfrm>
+            <a:off x="0" y="0"/>
+            <a:ext cx="12192000" cy="6858000"/>
+          </a:xfrm>
+          <a:prstGeom prst="rect">
+            <a:avLst/>
+          </a:prstGeom>
+        </p:spPr>
+      </p:pic>
+      <p:sp>
+        <p:nvSpPr>
+          <p:cNvPr id="2" name="Заголовок 1"/>
+          <p:cNvSpPr>
+            <a:spLocks noGrp="1"/>
+          </p:cNvSpPr>
+          <p:nvPr>
+            <p:ph type="title"/>
+          </p:nvPr>
+        </p:nvSpPr>
+        <p:spPr/>
+        <p:txBody>
+          <a:bodyPr/>
+          <a:lstStyle/>
+          <a:p>
+            <a:r>
+              <a:rPr lang="ru-RU" b="1" dirty="0" smtClean="0"/>
+              <a:t>Проект выполнили:</a:t>
+            </a:r>
+            <a:endParaRPr lang="ru-RU" b="1" dirty="0"/>
+          </a:p>
+        </p:txBody>
+      </p:sp>
+      <p:sp>
+        <p:nvSpPr>
+          <p:cNvPr id="3" name="Объект 2"/>
+          <p:cNvSpPr>
+            <a:spLocks noGrp="1"/>
+          </p:cNvSpPr>
+          <p:nvPr>
+            <p:ph idx="1"/>
+          </p:nvPr>
+        </p:nvSpPr>
+        <p:spPr/>
+        <p:txBody>
+          <a:bodyPr>
+            <a:normAutofit/>
+          </a:bodyPr>
+          <a:lstStyle/>
+          <a:p>
+            <a:r>
+              <a:rPr lang="ru-RU" sz="3200" dirty="0" smtClean="0"/>
+              <a:t>Александр Смирнов</a:t>
+            </a:r>
+          </a:p>
+          <a:p>
+            <a:r>
+              <a:rPr lang="ru-RU" sz="3200" dirty="0" smtClean="0"/>
+              <a:t>Антон Лоскутов</a:t>
+            </a:r>
+          </a:p>
+          <a:p>
+            <a:r>
+              <a:rPr lang="ru-RU" sz="3200" dirty="0" smtClean="0"/>
+              <a:t>Иван Мажаров</a:t>
+            </a:r>
+          </a:p>
+          <a:p>
+            <a:r>
+              <a:rPr lang="ru-RU" sz="3200" dirty="0" smtClean="0"/>
+              <a:t>Максим Филин</a:t>
+            </a:r>
+          </a:p>
+          <a:p>
+            <a:endParaRPr lang="ru-RU" sz="3200" dirty="0"/>
+          </a:p>
+          <a:p>
+            <a:pPr marL="0" indent="0">
+              <a:buNone/>
+            </a:pPr>
+            <a:r>
+              <a:rPr lang="ru-RU" sz="4800" dirty="0" smtClean="0"/>
+              <a:t>Спасибо за внимание!</a:t>
+            </a:r>
+            <a:endParaRPr lang="ru-RU" sz="4800" dirty="0"/>
+          </a:p>
+        </p:txBody>
+      </p:sp>
+    </p:spTree>
+    <p:extLst>
+      <p:ext uri="{BB962C8B-B14F-4D97-AF65-F5344CB8AC3E}">
+        <p14:creationId xmlns:p14="http://schemas.microsoft.com/office/powerpoint/2010/main" val="3246746748"/>
+      </p:ext>
+    </p:extLst>
+  </p:cSld>
+  <p:clrMapOvr>
+    <a:masterClrMapping/>
+  </p:clrMapOvr>
+  <p:timing>
+    <p:tnLst>
+      <p:par>
+        <p:cTn id="1" dur="indefinite" restart="never" nodeType="tmRoot"/>
+      </p:par>
+    </p:tnLst>
+  </p:timing>
+</p:sld>
+</file>
+
+<file path=ppt/slides/slide15.xml><?xml version="1.0" encoding="utf-8"?>
+<p:sld xmlns:a="http://schemas.openxmlformats.org/drawingml/2006/main" xmlns:r="http://schemas.openxmlformats.org/officeDocument/2006/relationships" xmlns:p="http://schemas.openxmlformats.org/presentationml/2006/main">
+  <p:cSld>
+    <p:spTree>
+      <p:nvGrpSpPr>
+        <p:cNvPr id="1" name=""/>
+        <p:cNvGrpSpPr/>
+        <p:nvPr/>
+      </p:nvGrpSpPr>
+      <p:grpSpPr>
+        <a:xfrm>
+          <a:off x="0" y="0"/>
+          <a:ext cx="0" cy="0"/>
+          <a:chOff x="0" y="0"/>
+          <a:chExt cx="0" cy="0"/>
+        </a:xfrm>
+      </p:grpSpPr>
+      <p:sp>
+        <p:nvSpPr>
+          <p:cNvPr id="2" name="Заголовок 1"/>
+          <p:cNvSpPr>
+            <a:spLocks noGrp="1"/>
+          </p:cNvSpPr>
+          <p:nvPr>
+            <p:ph type="title"/>
+          </p:nvPr>
+        </p:nvSpPr>
+        <p:spPr/>
+        <p:txBody>
+          <a:bodyPr/>
+          <a:lstStyle/>
+          <a:p>
+            <a:endParaRPr lang="ru-RU"/>
+          </a:p>
+        </p:txBody>
+      </p:sp>
+      <p:sp>
+        <p:nvSpPr>
+          <p:cNvPr id="3" name="Объект 2"/>
+          <p:cNvSpPr>
+            <a:spLocks noGrp="1"/>
+          </p:cNvSpPr>
+          <p:nvPr>
+            <p:ph idx="1"/>
+          </p:nvPr>
+        </p:nvSpPr>
+        <p:spPr/>
+        <p:txBody>
+          <a:bodyPr/>
+          <a:lstStyle/>
+          <a:p>
+            <a:endParaRPr lang="ru-RU" dirty="0"/>
+          </a:p>
+        </p:txBody>
+      </p:sp>
+      <p:pic>
+        <p:nvPicPr>
+          <p:cNvPr id="4" name="Рисунок 3"/>
+          <p:cNvPicPr>
+            <a:picLocks noChangeAspect="1"/>
+          </p:cNvPicPr>
+          <p:nvPr/>
+        </p:nvPicPr>
+        <p:blipFill>
+          <a:blip r:embed="rId2"/>
+          <a:stretch>
+            <a:fillRect/>
+          </a:stretch>
+        </p:blipFill>
+        <p:spPr>
+          <a:xfrm>
+            <a:off x="-851" y="-479"/>
+            <a:ext cx="12193702" cy="6858957"/>
+          </a:xfrm>
+          <a:prstGeom prst="rect">
+            <a:avLst/>
+          </a:prstGeom>
+        </p:spPr>
+      </p:pic>
+    </p:spTree>
+    <p:extLst>
+      <p:ext uri="{BB962C8B-B14F-4D97-AF65-F5344CB8AC3E}">
+        <p14:creationId xmlns:p14="http://schemas.microsoft.com/office/powerpoint/2010/main" val="1094959786"/>
       </p:ext>
     </p:extLst>
   </p:cSld>
@@ -3580,6 +5010,36 @@
           <a:chExt cx="0" cy="0"/>
         </a:xfrm>
       </p:grpSpPr>
+      <p:pic>
+        <p:nvPicPr>
+          <p:cNvPr id="4" name="Рисунок 3"/>
+          <p:cNvPicPr>
+            <a:picLocks noChangeAspect="1"/>
+          </p:cNvPicPr>
+          <p:nvPr/>
+        </p:nvPicPr>
+        <p:blipFill>
+          <a:blip r:embed="rId2">
+            <a:extLst>
+              <a:ext uri="{28A0092B-C50C-407E-A947-70E740481C1C}">
+                <a14:useLocalDpi xmlns:a14="http://schemas.microsoft.com/office/drawing/2010/main" val="0"/>
+              </a:ext>
+            </a:extLst>
+          </a:blip>
+          <a:stretch>
+            <a:fillRect/>
+          </a:stretch>
+        </p:blipFill>
+        <p:spPr>
+          <a:xfrm>
+            <a:off x="0" y="0"/>
+            <a:ext cx="12192000" cy="6858000"/>
+          </a:xfrm>
+          <a:prstGeom prst="rect">
+            <a:avLst/>
+          </a:prstGeom>
+        </p:spPr>
+      </p:pic>
       <p:sp>
         <p:nvSpPr>
           <p:cNvPr id="3" name="Объект 2"/>
@@ -3622,8 +5082,13 @@
             </a:r>
             <a:r>
               <a:rPr lang="ru-RU" dirty="0"/>
-              <a:t> определяет его тональность</a:t>
-            </a:r>
+              <a:t> определяет его </a:t>
+            </a:r>
+            <a:r>
+              <a:rPr lang="ru-RU" dirty="0" smtClean="0"/>
+              <a:t>тональность (положительная / негативная)</a:t>
+            </a:r>
+            <a:endParaRPr lang="ru-RU" dirty="0"/>
           </a:p>
           <a:p>
             <a:pPr marL="0" indent="0" fontAlgn="base">
@@ -3661,36 +5126,60 @@
           <a:p>
             <a:pPr lvl="1" fontAlgn="base"/>
             <a:r>
-              <a:rPr lang="ru-RU" dirty="0" err="1"/>
+              <a:rPr lang="ru-RU" dirty="0" smtClean="0"/>
+              <a:t>дополнительный </a:t>
+            </a:r>
+            <a:r>
+              <a:rPr lang="ru-RU" dirty="0" err="1" smtClean="0"/>
               <a:t>парсинг</a:t>
             </a:r>
             <a:r>
+              <a:rPr lang="ru-RU" dirty="0" smtClean="0"/>
+              <a:t> </a:t>
+            </a:r>
+            <a:r>
+              <a:rPr lang="ru-RU" dirty="0" smtClean="0"/>
+              <a:t>сайта </a:t>
+            </a:r>
+            <a:r>
+              <a:rPr lang="ru-RU" dirty="0" smtClean="0"/>
+              <a:t>twitter.com</a:t>
+            </a:r>
+            <a:endParaRPr lang="ru-RU" dirty="0"/>
+          </a:p>
+          <a:p>
+            <a:pPr marL="0" indent="0" fontAlgn="base">
+              <a:buNone/>
+            </a:pPr>
+            <a:r>
+              <a:rPr lang="ru-RU" b="1" cap="all" dirty="0" smtClean="0"/>
+              <a:t>ОНЛАЙН АНАЛИЗАТОР</a:t>
+            </a:r>
+            <a:endParaRPr lang="ru-RU" b="1" cap="all" dirty="0"/>
+          </a:p>
+          <a:p>
+            <a:pPr lvl="1" fontAlgn="base"/>
+            <a:r>
               <a:rPr lang="ru-RU" dirty="0"/>
-              <a:t> twitter.com</a:t>
-            </a:r>
-          </a:p>
-          <a:p>
-            <a:pPr marL="0" indent="0" fontAlgn="base">
-              <a:buNone/>
-            </a:pPr>
-            <a:r>
-              <a:rPr lang="ru-RU" b="1" cap="all" dirty="0"/>
-              <a:t>ОНЛАЙН АНАЛИЗАТОР</a:t>
-            </a:r>
+              <a:t>Сервер с </a:t>
+            </a:r>
+            <a:r>
+              <a:rPr lang="ru-RU" dirty="0" smtClean="0"/>
+              <a:t>моделью и </a:t>
+            </a:r>
+            <a:r>
+              <a:rPr lang="ru-RU" dirty="0" err="1" smtClean="0"/>
+              <a:t>парсером</a:t>
+            </a:r>
+            <a:endParaRPr lang="ru-RU" dirty="0"/>
           </a:p>
           <a:p>
             <a:pPr lvl="1" fontAlgn="base"/>
             <a:r>
-              <a:rPr lang="ru-RU" dirty="0"/>
-              <a:t>Сервер с моделью</a:t>
-            </a:r>
-          </a:p>
-          <a:p>
-            <a:pPr lvl="1" fontAlgn="base"/>
-            <a:r>
-              <a:rPr lang="ru-RU" dirty="0"/>
-              <a:t>Сайт</a:t>
-            </a:r>
+              <a:rPr lang="ru-RU" dirty="0" smtClean="0"/>
+              <a:t>Сайт для взаимодействия пользователя</a:t>
+            </a:r>
+            <a:endParaRPr lang="ru-RU" dirty="0"/>
           </a:p>
           <a:p>
             <a:pPr marL="0" indent="0" fontAlgn="base">
@@ -3704,9 +5193,10 @@
           <a:p>
             <a:pPr lvl="1" fontAlgn="base"/>
             <a:r>
-              <a:rPr lang="ru-RU" dirty="0"/>
-              <a:t>F-мера</a:t>
-            </a:r>
+              <a:rPr lang="ru-RU" dirty="0" smtClean="0"/>
+              <a:t>F1-мера</a:t>
+            </a:r>
+            <a:endParaRPr lang="ru-RU" dirty="0"/>
           </a:p>
         </p:txBody>
       </p:sp>
@@ -3720,6 +5210,13 @@
   <p:clrMapOvr>
     <a:masterClrMapping/>
   </p:clrMapOvr>
+  <p:timing>
+    <p:tnLst>
+      <p:par>
+        <p:cTn id="1" dur="indefinite" restart="never" nodeType="tmRoot"/>
+      </p:par>
+    </p:tnLst>
+  </p:timing>
 </p:sld>
 </file>
 
@@ -3740,6 +5237,36 @@
           <a:chExt cx="0" cy="0"/>
         </a:xfrm>
       </p:grpSpPr>
+      <p:pic>
+        <p:nvPicPr>
+          <p:cNvPr id="4" name="Рисунок 3"/>
+          <p:cNvPicPr>
+            <a:picLocks noChangeAspect="1"/>
+          </p:cNvPicPr>
+          <p:nvPr/>
+        </p:nvPicPr>
+        <p:blipFill>
+          <a:blip r:embed="rId2">
+            <a:extLst>
+              <a:ext uri="{28A0092B-C50C-407E-A947-70E740481C1C}">
+                <a14:useLocalDpi xmlns:a14="http://schemas.microsoft.com/office/drawing/2010/main" val="0"/>
+              </a:ext>
+            </a:extLst>
+          </a:blip>
+          <a:stretch>
+            <a:fillRect/>
+          </a:stretch>
+        </p:blipFill>
+        <p:spPr>
+          <a:xfrm>
+            <a:off x="0" y="0"/>
+            <a:ext cx="12192000" cy="6858000"/>
+          </a:xfrm>
+          <a:prstGeom prst="rect">
+            <a:avLst/>
+          </a:prstGeom>
+        </p:spPr>
+      </p:pic>
       <p:sp>
         <p:nvSpPr>
           <p:cNvPr id="2" name="Заголовок 1"/>
@@ -3756,32 +5283,41 @@
           <a:lstStyle/>
           <a:p>
             <a:r>
+              <a:rPr lang="ru-RU" b="1" dirty="0" smtClean="0"/>
+              <a:t>Обработка данных</a:t>
+            </a:r>
+            <a:endParaRPr lang="ru-RU" b="1" dirty="0"/>
+          </a:p>
+        </p:txBody>
+      </p:sp>
+      <p:sp>
+        <p:nvSpPr>
+          <p:cNvPr id="3" name="Объект 2"/>
+          <p:cNvSpPr>
+            <a:spLocks noGrp="1"/>
+          </p:cNvSpPr>
+          <p:nvPr>
+            <p:ph idx="1"/>
+          </p:nvPr>
+        </p:nvSpPr>
+        <p:spPr/>
+        <p:txBody>
+          <a:bodyPr/>
+          <a:lstStyle/>
+          <a:p>
+            <a:r>
               <a:rPr lang="ru-RU" dirty="0" smtClean="0"/>
-              <a:t>Обработка данных</a:t>
-            </a:r>
-            <a:endParaRPr lang="ru-RU" dirty="0"/>
-          </a:p>
-        </p:txBody>
-      </p:sp>
-      <p:sp>
-        <p:nvSpPr>
-          <p:cNvPr id="3" name="Объект 2"/>
-          <p:cNvSpPr>
-            <a:spLocks noGrp="1"/>
-          </p:cNvSpPr>
-          <p:nvPr>
-            <p:ph idx="1"/>
-          </p:nvPr>
-        </p:nvSpPr>
-        <p:spPr/>
-        <p:txBody>
-          <a:bodyPr/>
-          <a:lstStyle/>
-          <a:p>
+              <a:t>Из текста </a:t>
+            </a:r>
+            <a:r>
+              <a:rPr lang="ru-RU" dirty="0" err="1" smtClean="0"/>
+              <a:t>твитов</a:t>
+            </a:r>
             <a:r>
               <a:rPr lang="ru-RU" dirty="0" smtClean="0"/>
-              <a:t>Были удалены из текстов сообщений</a:t>
-            </a:r>
+              <a:t> удаляются:</a:t>
+            </a:r>
+            <a:endParaRPr lang="ru-RU" dirty="0" smtClean="0"/>
           </a:p>
           <a:p>
             <a:pPr lvl="1"/>
@@ -3793,41 +5329,96 @@
           <a:p>
             <a:pPr lvl="1"/>
             <a:r>
+              <a:rPr lang="ru-RU" dirty="0"/>
+              <a:t>ц</a:t>
+            </a:r>
+            <a:r>
               <a:rPr lang="ru-RU" dirty="0" smtClean="0"/>
-              <a:t>Цифры</a:t>
-            </a:r>
+              <a:t>ифры</a:t>
+            </a:r>
+            <a:endParaRPr lang="ru-RU" dirty="0" smtClean="0"/>
           </a:p>
           <a:p>
             <a:pPr lvl="1"/>
             <a:r>
+              <a:rPr lang="ru-RU" dirty="0"/>
+              <a:t>с</a:t>
+            </a:r>
+            <a:r>
               <a:rPr lang="ru-RU" dirty="0" smtClean="0"/>
-              <a:t>Смайлики</a:t>
-            </a:r>
+              <a:t>майлики</a:t>
+            </a:r>
+            <a:endParaRPr lang="ru-RU" dirty="0" smtClean="0"/>
           </a:p>
           <a:p>
             <a:pPr lvl="1"/>
             <a:r>
               <a:rPr lang="ru-RU" dirty="0" smtClean="0"/>
-              <a:t>Знаки препинания</a:t>
-            </a:r>
-          </a:p>
-          <a:p>
+              <a:t>знаки препинания</a:t>
+            </a:r>
+          </a:p>
+          <a:p>
+            <a:pPr marL="457200" lvl="1" indent="0">
+              <a:buNone/>
+            </a:pPr>
+            <a:endParaRPr lang="ru-RU" dirty="0" smtClean="0"/>
+          </a:p>
+          <a:p>
+            <a:r>
+              <a:rPr lang="ru-RU" dirty="0" smtClean="0"/>
+              <a:t>Морфологическая обработка:</a:t>
+            </a:r>
+          </a:p>
+          <a:p>
+            <a:pPr lvl="1"/>
             <a:r>
               <a:rPr lang="ru-RU" dirty="0" err="1" smtClean="0"/>
-              <a:t>Стемминг</a:t>
+              <a:t>стемминг</a:t>
             </a:r>
             <a:r>
               <a:rPr lang="ru-RU" dirty="0" smtClean="0"/>
-              <a:t> (</a:t>
+              <a:t> </a:t>
             </a:r>
             <a:r>
               <a:rPr lang="en-US" dirty="0" smtClean="0"/>
-              <a:t>NLTK</a:t>
+              <a:t>(</a:t>
             </a:r>
             <a:r>
               <a:rPr lang="ru-RU" dirty="0" smtClean="0"/>
+              <a:t>пакет </a:t>
+            </a:r>
+            <a:r>
+              <a:rPr lang="en-US" dirty="0" err="1" smtClean="0"/>
+              <a:t>nltk</a:t>
+            </a:r>
+            <a:r>
+              <a:rPr lang="en-US" dirty="0" smtClean="0"/>
               <a:t>)</a:t>
             </a:r>
+          </a:p>
+          <a:p>
+            <a:pPr lvl="1"/>
+            <a:r>
+              <a:rPr lang="ru-RU" dirty="0" err="1" smtClean="0"/>
+              <a:t>лемматизация</a:t>
+            </a:r>
+            <a:r>
+              <a:rPr lang="ru-RU" dirty="0" smtClean="0"/>
+              <a:t> </a:t>
+            </a:r>
+            <a:r>
+              <a:rPr lang="en-US" dirty="0" smtClean="0"/>
+              <a:t>(</a:t>
+            </a:r>
+            <a:r>
+              <a:rPr lang="en-US" dirty="0" err="1" smtClean="0"/>
+              <a:t>mystem</a:t>
+            </a:r>
+            <a:r>
+              <a:rPr lang="en-US" dirty="0" smtClean="0"/>
+              <a:t>)</a:t>
+            </a:r>
+            <a:endParaRPr lang="ru-RU" dirty="0" smtClean="0"/>
           </a:p>
           <a:p>
             <a:endParaRPr lang="ru-RU" dirty="0" smtClean="0"/>
@@ -3851,6 +5442,13 @@
   <p:clrMapOvr>
     <a:masterClrMapping/>
   </p:clrMapOvr>
+  <p:timing>
+    <p:tnLst>
+      <p:par>
+        <p:cTn id="1" dur="indefinite" restart="never" nodeType="tmRoot"/>
+      </p:par>
+    </p:tnLst>
+  </p:timing>
 </p:sld>
 </file>
 
@@ -3871,43 +5469,67 @@
           <a:chExt cx="0" cy="0"/>
         </a:xfrm>
       </p:grpSpPr>
-      <p:sp>
-        <p:nvSpPr>
-          <p:cNvPr id="2" name="Заголовок 1"/>
-          <p:cNvSpPr>
-            <a:spLocks noGrp="1"/>
-          </p:cNvSpPr>
-          <p:nvPr>
-            <p:ph type="title"/>
-          </p:nvPr>
-        </p:nvSpPr>
-        <p:spPr/>
-        <p:txBody>
-          <a:bodyPr/>
-          <a:lstStyle/>
-          <a:p>
-            <a:r>
-              <a:rPr lang="ru-RU" dirty="0" smtClean="0"/>
+      <p:pic>
+        <p:nvPicPr>
+          <p:cNvPr id="6" name="Рисунок 5"/>
+          <p:cNvPicPr>
+            <a:picLocks noChangeAspect="1"/>
+          </p:cNvPicPr>
+          <p:nvPr/>
+        </p:nvPicPr>
+        <p:blipFill>
+          <a:blip r:embed="rId2">
+            <a:extLst>
+              <a:ext uri="{28A0092B-C50C-407E-A947-70E740481C1C}">
+                <a14:useLocalDpi xmlns:a14="http://schemas.microsoft.com/office/drawing/2010/main" val="0"/>
+              </a:ext>
+            </a:extLst>
+          </a:blip>
+          <a:stretch>
+            <a:fillRect/>
+          </a:stretch>
+        </p:blipFill>
+        <p:spPr>
+          <a:xfrm>
+            <a:off x="0" y="0"/>
+            <a:ext cx="12192000" cy="6858000"/>
+          </a:xfrm>
+          <a:prstGeom prst="rect">
+            <a:avLst/>
+          </a:prstGeom>
+        </p:spPr>
+      </p:pic>
+      <p:sp>
+        <p:nvSpPr>
+          <p:cNvPr id="3" name="Объект 2"/>
+          <p:cNvSpPr>
+            <a:spLocks noGrp="1"/>
+          </p:cNvSpPr>
+          <p:nvPr>
+            <p:ph idx="1"/>
+          </p:nvPr>
+        </p:nvSpPr>
+        <p:spPr>
+          <a:xfrm>
+            <a:off x="838200" y="365125"/>
+            <a:ext cx="5171983" cy="5811838"/>
+          </a:xfrm>
+        </p:spPr>
+        <p:txBody>
+          <a:bodyPr>
+            <a:normAutofit/>
+          </a:bodyPr>
+          <a:lstStyle/>
+          <a:p>
+            <a:pPr marL="0" indent="0">
+              <a:buNone/>
+            </a:pPr>
+            <a:r>
+              <a:rPr lang="ru-RU" sz="3200" b="1" dirty="0"/>
               <a:t>Извлечение признаков</a:t>
             </a:r>
-            <a:endParaRPr lang="ru-RU" dirty="0"/>
-          </a:p>
-        </p:txBody>
-      </p:sp>
-      <p:sp>
-        <p:nvSpPr>
-          <p:cNvPr id="3" name="Объект 2"/>
-          <p:cNvSpPr>
-            <a:spLocks noGrp="1"/>
-          </p:cNvSpPr>
-          <p:nvPr>
-            <p:ph idx="1"/>
-          </p:nvPr>
-        </p:nvSpPr>
-        <p:spPr/>
-        <p:txBody>
-          <a:bodyPr/>
-          <a:lstStyle/>
+            <a:endParaRPr lang="en-US" sz="3200" dirty="0" smtClean="0"/>
+          </a:p>
           <a:p>
             <a:r>
               <a:rPr lang="en-US" dirty="0" smtClean="0"/>
@@ -3940,40 +5562,43 @@
             </a:r>
           </a:p>
           <a:p>
+            <a:endParaRPr lang="en-US" sz="2000" dirty="0" smtClean="0"/>
+          </a:p>
+          <a:p>
+            <a:endParaRPr lang="en-US" sz="2000" dirty="0" smtClean="0"/>
+          </a:p>
+          <a:p>
             <a:pPr marL="0" indent="0">
+              <a:buFont typeface="Arial" panose="020B0604020202020204" pitchFamily="34" charset="0"/>
               <a:buNone/>
             </a:pPr>
-            <a:endParaRPr lang="en-US" dirty="0"/>
-          </a:p>
-          <a:p>
-            <a:pPr marL="0" indent="0">
-              <a:buNone/>
-            </a:pPr>
-            <a:r>
-              <a:rPr lang="ru-RU" sz="4400" dirty="0" smtClean="0"/>
-              <a:t>Основные параметры:</a:t>
-            </a:r>
-          </a:p>
-          <a:p>
-            <a:r>
-              <a:rPr lang="en-US" dirty="0" err="1" smtClean="0"/>
-              <a:t>wordn</a:t>
-            </a:r>
-            <a:r>
-              <a:rPr lang="en-US" dirty="0" smtClean="0"/>
-              <a:t>-gram range</a:t>
-            </a:r>
-          </a:p>
-          <a:p>
-            <a:r>
-              <a:rPr lang="en-US" dirty="0" smtClean="0"/>
-              <a:t>Min-</a:t>
-            </a:r>
-            <a:r>
-              <a:rPr lang="en-US" dirty="0" err="1" smtClean="0"/>
-              <a:t>df</a:t>
+            <a:r>
+              <a:rPr lang="ru-RU" sz="3200" b="1" dirty="0"/>
+              <a:t>Модели</a:t>
+            </a:r>
+            <a:endParaRPr lang="en-US" sz="3200" b="1" dirty="0"/>
+          </a:p>
+          <a:p>
+            <a:r>
+              <a:rPr lang="en-US" dirty="0"/>
+              <a:t>Logistic regression</a:t>
+            </a:r>
+          </a:p>
+          <a:p>
+            <a:r>
+              <a:rPr lang="en-US" dirty="0"/>
+              <a:t>SVM</a:t>
+            </a:r>
+          </a:p>
+          <a:p>
+            <a:r>
+              <a:rPr lang="en-US" dirty="0"/>
+              <a:t>Naive Bayes</a:t>
             </a:r>
             <a:endParaRPr lang="ru-RU" dirty="0"/>
+          </a:p>
+          <a:p>
+            <a:endParaRPr lang="en-US" sz="2000" dirty="0"/>
           </a:p>
         </p:txBody>
       </p:sp>
@@ -3987,6 +5612,13 @@
   <p:clrMapOvr>
     <a:masterClrMapping/>
   </p:clrMapOvr>
+  <p:timing>
+    <p:tnLst>
+      <p:par>
+        <p:cTn id="1" dur="indefinite" restart="never" nodeType="tmRoot"/>
+      </p:par>
+    </p:tnLst>
+  </p:timing>
 </p:sld>
 </file>
 
@@ -4017,88 +5649,118 @@
             <p:ph type="title"/>
           </p:nvPr>
         </p:nvSpPr>
-        <p:spPr/>
-        <p:txBody>
-          <a:bodyPr/>
-          <a:lstStyle/>
-          <a:p>
-            <a:r>
-              <a:rPr lang="ru-RU" dirty="0" smtClean="0"/>
-              <a:t>Модели</a:t>
-            </a:r>
-            <a:endParaRPr lang="ru-RU" dirty="0"/>
-          </a:p>
-        </p:txBody>
-      </p:sp>
-      <p:sp>
-        <p:nvSpPr>
-          <p:cNvPr id="3" name="Объект 2"/>
-          <p:cNvSpPr>
-            <a:spLocks noGrp="1"/>
-          </p:cNvSpPr>
+        <p:spPr>
+          <a:xfrm>
+            <a:off x="763480" y="365125"/>
+            <a:ext cx="10590320" cy="300700"/>
+          </a:xfrm>
+        </p:spPr>
+        <p:txBody>
+          <a:bodyPr>
+            <a:normAutofit fontScale="90000"/>
+          </a:bodyPr>
+          <a:lstStyle/>
+          <a:p>
+            <a:r>
+              <a:rPr lang="ru-RU" b="1" dirty="0"/>
+              <a:t>Подбор </a:t>
+            </a:r>
+            <a:r>
+              <a:rPr lang="ru-RU" b="1" dirty="0" smtClean="0"/>
+              <a:t>параметров</a:t>
+            </a:r>
+            <a:endParaRPr lang="ru-RU" b="1" dirty="0"/>
+          </a:p>
+        </p:txBody>
+      </p:sp>
+      <p:pic>
+        <p:nvPicPr>
+          <p:cNvPr id="6" name="Объект 5"/>
+          <p:cNvPicPr>
+            <a:picLocks noGrp="1" noChangeAspect="1"/>
+          </p:cNvPicPr>
           <p:nvPr>
             <p:ph idx="1"/>
           </p:nvPr>
-        </p:nvSpPr>
-        <p:spPr/>
-        <p:txBody>
-          <a:bodyPr/>
-          <a:lstStyle/>
-          <a:p>
-            <a:r>
-              <a:rPr lang="en-US" dirty="0" smtClean="0"/>
-              <a:t>Logistic regression</a:t>
-            </a:r>
-          </a:p>
-          <a:p>
-            <a:r>
-              <a:rPr lang="en-US" dirty="0" smtClean="0"/>
-              <a:t>SVM</a:t>
-            </a:r>
-          </a:p>
-          <a:p>
-            <a:r>
-              <a:rPr lang="en-US" dirty="0" smtClean="0"/>
-              <a:t>Naive </a:t>
-            </a:r>
-            <a:r>
-              <a:rPr lang="en-US" dirty="0"/>
-              <a:t>B</a:t>
-            </a:r>
-            <a:r>
-              <a:rPr lang="en-US" dirty="0" smtClean="0"/>
-              <a:t>ayes</a:t>
-            </a:r>
-          </a:p>
-          <a:p>
-            <a:r>
-              <a:rPr lang="en-US" dirty="0"/>
-              <a:t>Naive Bayes classifier for multivariate Bernoulli </a:t>
-            </a:r>
-            <a:r>
-              <a:rPr lang="en-US" dirty="0" smtClean="0"/>
-              <a:t>models</a:t>
-            </a:r>
-          </a:p>
-          <a:p>
-            <a:r>
-              <a:rPr lang="en-US" dirty="0"/>
-              <a:t>Naive Bayes classifier for multinomial models</a:t>
-            </a:r>
-            <a:endParaRPr lang="ru-RU" dirty="0"/>
+        </p:nvPicPr>
+        <p:blipFill>
+          <a:blip r:embed="rId2" cstate="print">
+            <a:extLst>
+              <a:ext uri="{28A0092B-C50C-407E-A947-70E740481C1C}">
+                <a14:useLocalDpi xmlns:a14="http://schemas.microsoft.com/office/drawing/2010/main" val="0"/>
+              </a:ext>
+            </a:extLst>
+          </a:blip>
+          <a:stretch>
+            <a:fillRect/>
+          </a:stretch>
+        </p:blipFill>
+        <p:spPr>
+          <a:xfrm>
+            <a:off x="1617399" y="1304455"/>
+            <a:ext cx="8882481" cy="5178854"/>
+          </a:xfrm>
+        </p:spPr>
+      </p:pic>
+      <p:sp>
+        <p:nvSpPr>
+          <p:cNvPr id="7" name="TextBox 6"/>
+          <p:cNvSpPr txBox="1"/>
+          <p:nvPr/>
+        </p:nvSpPr>
+        <p:spPr>
+          <a:xfrm>
+            <a:off x="763479" y="781235"/>
+            <a:ext cx="7377343" cy="523220"/>
+          </a:xfrm>
+          <a:prstGeom prst="rect">
+            <a:avLst/>
+          </a:prstGeom>
+          <a:noFill/>
+        </p:spPr>
+        <p:txBody>
+          <a:bodyPr wrap="square" rtlCol="0">
+            <a:spAutoFit/>
+          </a:bodyPr>
+          <a:lstStyle/>
+          <a:p>
+            <a:r>
+              <a:rPr lang="ru-RU" sz="2800" dirty="0" smtClean="0"/>
+              <a:t>Основные параметры: </a:t>
+            </a:r>
+            <a:r>
+              <a:rPr lang="en-US" sz="2800" dirty="0" err="1" smtClean="0"/>
+              <a:t>ngram</a:t>
+            </a:r>
+            <a:r>
+              <a:rPr lang="en-US" sz="2800" dirty="0" smtClean="0"/>
+              <a:t> range, </a:t>
+            </a:r>
+            <a:r>
+              <a:rPr lang="en-US" sz="2800" dirty="0" err="1" smtClean="0"/>
+              <a:t>min_df</a:t>
+            </a:r>
+            <a:endParaRPr lang="ru-RU" sz="2800" dirty="0"/>
           </a:p>
         </p:txBody>
       </p:sp>
     </p:spTree>
     <p:extLst>
       <p:ext uri="{BB962C8B-B14F-4D97-AF65-F5344CB8AC3E}">
-        <p14:creationId xmlns:p14="http://schemas.microsoft.com/office/powerpoint/2010/main" val="3747205328"/>
+        <p14:creationId xmlns:p14="http://schemas.microsoft.com/office/powerpoint/2010/main" val="2004512614"/>
       </p:ext>
     </p:extLst>
   </p:cSld>
   <p:clrMapOvr>
     <a:masterClrMapping/>
   </p:clrMapOvr>
+  <p:timing>
+    <p:tnLst>
+      <p:par>
+        <p:cTn id="1" dur="indefinite" restart="never" nodeType="tmRoot"/>
+      </p:par>
+    </p:tnLst>
+  </p:timing>
 </p:sld>
 </file>
 
@@ -4121,40 +5783,258 @@
       </p:grpSpPr>
       <p:pic>
         <p:nvPicPr>
-          <p:cNvPr id="4" name="Объект 3"/>
+          <p:cNvPr id="4" name="Рисунок 3"/>
           <p:cNvPicPr>
-            <a:picLocks noGrp="1" noChangeAspect="1"/>
+            <a:picLocks noChangeAspect="1"/>
           </p:cNvPicPr>
-          <p:nvPr>
-            <p:ph idx="1"/>
-          </p:nvPr>
+          <p:nvPr/>
         </p:nvPicPr>
         <p:blipFill>
-          <a:blip r:embed="rId2"/>
+          <a:blip r:embed="rId2">
+            <a:extLst>
+              <a:ext uri="{28A0092B-C50C-407E-A947-70E740481C1C}">
+                <a14:useLocalDpi xmlns:a14="http://schemas.microsoft.com/office/drawing/2010/main" val="0"/>
+              </a:ext>
+            </a:extLst>
+          </a:blip>
           <a:stretch>
             <a:fillRect/>
           </a:stretch>
         </p:blipFill>
         <p:spPr>
           <a:xfrm>
-            <a:off x="1840917" y="224443"/>
-            <a:ext cx="8567347" cy="5935894"/>
+            <a:off x="0" y="0"/>
+            <a:ext cx="12192000" cy="6858000"/>
           </a:xfrm>
           <a:prstGeom prst="rect">
             <a:avLst/>
           </a:prstGeom>
         </p:spPr>
       </p:pic>
+      <p:sp>
+        <p:nvSpPr>
+          <p:cNvPr id="2" name="Заголовок 1"/>
+          <p:cNvSpPr>
+            <a:spLocks noGrp="1"/>
+          </p:cNvSpPr>
+          <p:nvPr>
+            <p:ph type="title"/>
+          </p:nvPr>
+        </p:nvSpPr>
+        <p:spPr/>
+        <p:txBody>
+          <a:bodyPr/>
+          <a:lstStyle/>
+          <a:p>
+            <a:r>
+              <a:rPr lang="ru-RU" b="1" dirty="0" smtClean="0"/>
+              <a:t>Улучшение результатов логистической регрессии</a:t>
+            </a:r>
+            <a:endParaRPr lang="ru-RU" b="1" dirty="0"/>
+          </a:p>
+        </p:txBody>
+      </p:sp>
+      <p:sp>
+        <p:nvSpPr>
+          <p:cNvPr id="3" name="Объект 2"/>
+          <p:cNvSpPr>
+            <a:spLocks noGrp="1"/>
+          </p:cNvSpPr>
+          <p:nvPr>
+            <p:ph idx="1"/>
+          </p:nvPr>
+        </p:nvSpPr>
+        <p:spPr/>
+        <p:txBody>
+          <a:bodyPr>
+            <a:normAutofit fontScale="85000" lnSpcReduction="20000"/>
+          </a:bodyPr>
+          <a:lstStyle/>
+          <a:p>
+            <a:r>
+              <a:rPr lang="ru-RU" dirty="0" smtClean="0"/>
+              <a:t>Другой подход к обработке текста</a:t>
+            </a:r>
+          </a:p>
+          <a:p>
+            <a:pPr lvl="1"/>
+            <a:r>
+              <a:rPr lang="ru-RU" dirty="0" err="1" smtClean="0"/>
+              <a:t>Стемминг</a:t>
+            </a:r>
+            <a:r>
+              <a:rPr lang="ru-RU" dirty="0" smtClean="0"/>
+              <a:t> (NLTK) / </a:t>
+            </a:r>
+            <a:r>
+              <a:rPr lang="ru-RU" dirty="0" err="1" smtClean="0"/>
+              <a:t>Лемматизация</a:t>
+            </a:r>
+            <a:r>
+              <a:rPr lang="ru-RU" dirty="0" smtClean="0"/>
+              <a:t> (</a:t>
+            </a:r>
+            <a:r>
+              <a:rPr lang="ru-RU" dirty="0" err="1" smtClean="0"/>
+              <a:t>mystem</a:t>
+            </a:r>
+            <a:r>
+              <a:rPr lang="ru-RU" dirty="0" smtClean="0"/>
+              <a:t>)</a:t>
+            </a:r>
+          </a:p>
+          <a:p>
+            <a:pPr lvl="1"/>
+            <a:r>
+              <a:rPr lang="ru-RU" dirty="0" smtClean="0"/>
+              <a:t>Удаление слов из одной буквы</a:t>
+            </a:r>
+          </a:p>
+          <a:p>
+            <a:pPr lvl="1"/>
+            <a:r>
+              <a:rPr lang="ru-RU" dirty="0" smtClean="0"/>
+              <a:t>Удаление </a:t>
+            </a:r>
+            <a:r>
+              <a:rPr lang="ru-RU" dirty="0" smtClean="0"/>
+              <a:t>коротких </a:t>
+            </a:r>
+            <a:r>
+              <a:rPr lang="ru-RU" dirty="0" err="1" smtClean="0"/>
+              <a:t>твитов</a:t>
+            </a:r>
+            <a:endParaRPr lang="ru-RU" dirty="0" smtClean="0"/>
+          </a:p>
+          <a:p>
+            <a:r>
+              <a:rPr lang="ru-RU" dirty="0" smtClean="0"/>
+              <a:t>Параметры логистической регрессии</a:t>
+            </a:r>
+          </a:p>
+          <a:p>
+            <a:pPr lvl="1"/>
+            <a:r>
+              <a:rPr lang="en-US" b="1" dirty="0" smtClean="0"/>
+              <a:t>penalty</a:t>
+            </a:r>
+            <a:r>
+              <a:rPr lang="en-US" dirty="0"/>
+              <a:t> </a:t>
+            </a:r>
+            <a:endParaRPr lang="ru-RU" dirty="0" smtClean="0"/>
+          </a:p>
+          <a:p>
+            <a:pPr lvl="1"/>
+            <a:r>
+              <a:rPr lang="en-US" dirty="0" smtClean="0"/>
+              <a:t>dual</a:t>
+            </a:r>
+            <a:endParaRPr lang="ru-RU" dirty="0" smtClean="0"/>
+          </a:p>
+          <a:p>
+            <a:pPr lvl="1"/>
+            <a:r>
+              <a:rPr lang="en-US" b="1" dirty="0"/>
+              <a:t>C</a:t>
+            </a:r>
+            <a:r>
+              <a:rPr lang="en-US" dirty="0"/>
+              <a:t> </a:t>
+            </a:r>
+            <a:endParaRPr lang="ru-RU" dirty="0" smtClean="0"/>
+          </a:p>
+          <a:p>
+            <a:pPr lvl="1"/>
+            <a:r>
+              <a:rPr lang="en-US" dirty="0" err="1"/>
+              <a:t>fit_intercept</a:t>
+            </a:r>
+            <a:r>
+              <a:rPr lang="en-US" dirty="0"/>
+              <a:t> </a:t>
+            </a:r>
+            <a:endParaRPr lang="ru-RU" dirty="0" smtClean="0"/>
+          </a:p>
+          <a:p>
+            <a:pPr lvl="1"/>
+            <a:r>
+              <a:rPr lang="en-US" dirty="0" err="1"/>
+              <a:t>class_weight</a:t>
+            </a:r>
+            <a:r>
+              <a:rPr lang="en-US" dirty="0"/>
+              <a:t>  </a:t>
+            </a:r>
+            <a:endParaRPr lang="ru-RU" dirty="0" smtClean="0"/>
+          </a:p>
+          <a:p>
+            <a:pPr lvl="1"/>
+            <a:r>
+              <a:rPr lang="en-US" b="1" dirty="0"/>
+              <a:t>solver</a:t>
+            </a:r>
+            <a:r>
+              <a:rPr lang="en-US" dirty="0"/>
+              <a:t> </a:t>
+            </a:r>
+            <a:endParaRPr lang="ru-RU" dirty="0" smtClean="0"/>
+          </a:p>
+          <a:p>
+            <a:pPr lvl="1"/>
+            <a:r>
+              <a:rPr lang="en-US" b="1" dirty="0" err="1"/>
+              <a:t>max_iter</a:t>
+            </a:r>
+            <a:r>
+              <a:rPr lang="en-US" dirty="0"/>
+              <a:t> </a:t>
+            </a:r>
+            <a:endParaRPr lang="ru-RU" dirty="0" smtClean="0"/>
+          </a:p>
+          <a:p>
+            <a:pPr lvl="1"/>
+            <a:r>
+              <a:rPr lang="en-US" dirty="0" err="1"/>
+              <a:t>multi_class</a:t>
+            </a:r>
+            <a:r>
+              <a:rPr lang="en-US" dirty="0"/>
+              <a:t> </a:t>
+            </a:r>
+            <a:endParaRPr lang="ru-RU" dirty="0" smtClean="0"/>
+          </a:p>
+          <a:p>
+            <a:pPr lvl="1"/>
+            <a:r>
+              <a:rPr lang="en-US" dirty="0" err="1"/>
+              <a:t>warm_start</a:t>
+            </a:r>
+            <a:r>
+              <a:rPr lang="en-US" dirty="0"/>
+              <a:t> </a:t>
+            </a:r>
+            <a:endParaRPr lang="ru-RU" dirty="0"/>
+          </a:p>
+        </p:txBody>
+      </p:sp>
     </p:spTree>
     <p:extLst>
       <p:ext uri="{BB962C8B-B14F-4D97-AF65-F5344CB8AC3E}">
-        <p14:creationId xmlns:p14="http://schemas.microsoft.com/office/powerpoint/2010/main" val="2349935179"/>
+        <p14:creationId xmlns:p14="http://schemas.microsoft.com/office/powerpoint/2010/main" val="765065924"/>
       </p:ext>
     </p:extLst>
   </p:cSld>
   <p:clrMapOvr>
     <a:masterClrMapping/>
   </p:clrMapOvr>
+  <p:timing>
+    <p:tnLst>
+      <p:par>
+        <p:cTn id="1" dur="indefinite" restart="never" nodeType="tmRoot"/>
+      </p:par>
+    </p:tnLst>
+  </p:timing>
 </p:sld>
 </file>
 
@@ -4175,222 +6055,52 @@
           <a:chExt cx="0" cy="0"/>
         </a:xfrm>
       </p:grpSpPr>
-      <p:sp>
-        <p:nvSpPr>
-          <p:cNvPr id="2" name="Заголовок 1"/>
-          <p:cNvSpPr>
-            <a:spLocks noGrp="1"/>
-          </p:cNvSpPr>
-          <p:nvPr>
-            <p:ph type="title"/>
-          </p:nvPr>
-        </p:nvSpPr>
-        <p:spPr/>
-        <p:txBody>
-          <a:bodyPr/>
-          <a:lstStyle/>
-          <a:p>
-            <a:r>
-              <a:rPr lang="ru-RU" dirty="0" smtClean="0"/>
-              <a:t>Улучшение результатов логистической регрессии</a:t>
-            </a:r>
-            <a:endParaRPr lang="ru-RU" dirty="0"/>
-          </a:p>
-        </p:txBody>
-      </p:sp>
-      <p:sp>
-        <p:nvSpPr>
-          <p:cNvPr id="3" name="Объект 2"/>
-          <p:cNvSpPr>
-            <a:spLocks noGrp="1"/>
-          </p:cNvSpPr>
+      <p:pic>
+        <p:nvPicPr>
+          <p:cNvPr id="12" name="Объект 11"/>
+          <p:cNvPicPr>
+            <a:picLocks noGrp="1" noChangeAspect="1"/>
+          </p:cNvPicPr>
           <p:nvPr>
             <p:ph idx="1"/>
           </p:nvPr>
-        </p:nvSpPr>
-        <p:spPr/>
-        <p:txBody>
-          <a:bodyPr>
-            <a:normAutofit fontScale="85000" lnSpcReduction="20000"/>
-          </a:bodyPr>
-          <a:lstStyle/>
-          <a:p>
-            <a:r>
-              <a:rPr lang="ru-RU" dirty="0" smtClean="0"/>
-              <a:t>Другой подход к обработке текста</a:t>
-            </a:r>
-          </a:p>
-          <a:p>
-            <a:pPr lvl="1"/>
-            <a:r>
-              <a:rPr lang="ru-RU" dirty="0" err="1" smtClean="0"/>
-              <a:t>Стемминг</a:t>
-            </a:r>
-            <a:r>
-              <a:rPr lang="ru-RU" dirty="0" smtClean="0"/>
-              <a:t> (NLTK) / </a:t>
-            </a:r>
-            <a:r>
-              <a:rPr lang="ru-RU" dirty="0" err="1" smtClean="0"/>
-              <a:t>Лемматизация</a:t>
-            </a:r>
-            <a:r>
-              <a:rPr lang="ru-RU" dirty="0" smtClean="0"/>
-              <a:t> (</a:t>
-            </a:r>
-            <a:r>
-              <a:rPr lang="ru-RU" dirty="0" err="1" smtClean="0"/>
-              <a:t>mystem</a:t>
-            </a:r>
-            <a:r>
-              <a:rPr lang="ru-RU" dirty="0" smtClean="0"/>
-              <a:t>)</a:t>
-            </a:r>
-          </a:p>
-          <a:p>
-            <a:pPr lvl="1"/>
-            <a:r>
-              <a:rPr lang="ru-RU" dirty="0" smtClean="0"/>
-              <a:t>Удаление слов из одной буквы</a:t>
-            </a:r>
-          </a:p>
-          <a:p>
-            <a:pPr lvl="1"/>
-            <a:r>
-              <a:rPr lang="ru-RU" dirty="0" smtClean="0"/>
-              <a:t>Удаление </a:t>
-            </a:r>
-            <a:r>
-              <a:rPr lang="ru-RU" dirty="0" err="1" smtClean="0"/>
-              <a:t>твитов</a:t>
-            </a:r>
-            <a:r>
-              <a:rPr lang="ru-RU" dirty="0" smtClean="0"/>
-              <a:t> меньше 5 слов</a:t>
-            </a:r>
-          </a:p>
-          <a:p>
-            <a:r>
-              <a:rPr lang="ru-RU" dirty="0" smtClean="0"/>
-              <a:t>Параметры логистической регрессии</a:t>
-            </a:r>
-          </a:p>
-          <a:p>
-            <a:pPr lvl="1"/>
-            <a:r>
-              <a:rPr lang="en-US" b="1" dirty="0" smtClean="0"/>
-              <a:t>penalty</a:t>
-            </a:r>
-            <a:r>
-              <a:rPr lang="en-US" dirty="0"/>
-              <a:t> </a:t>
-            </a:r>
-            <a:endParaRPr lang="ru-RU" dirty="0" smtClean="0"/>
-          </a:p>
-          <a:p>
-            <a:pPr lvl="1"/>
-            <a:r>
-              <a:rPr lang="en-US" dirty="0" smtClean="0"/>
-              <a:t>dual</a:t>
-            </a:r>
-            <a:endParaRPr lang="ru-RU" dirty="0" smtClean="0"/>
-          </a:p>
-          <a:p>
-            <a:pPr lvl="1"/>
-            <a:r>
-              <a:rPr lang="en-US" b="1" dirty="0"/>
-              <a:t>C</a:t>
-            </a:r>
-            <a:r>
-              <a:rPr lang="en-US" dirty="0"/>
-              <a:t> </a:t>
-            </a:r>
-            <a:endParaRPr lang="ru-RU" dirty="0" smtClean="0"/>
-          </a:p>
-          <a:p>
-            <a:pPr lvl="1"/>
-            <a:r>
-              <a:rPr lang="en-US" dirty="0" err="1"/>
-              <a:t>fit_intercept</a:t>
-            </a:r>
-            <a:r>
-              <a:rPr lang="en-US" dirty="0"/>
-              <a:t> </a:t>
-            </a:r>
-            <a:endParaRPr lang="ru-RU" dirty="0" smtClean="0"/>
-          </a:p>
-          <a:p>
-            <a:pPr lvl="1"/>
-            <a:r>
-              <a:rPr lang="en-US" dirty="0" err="1"/>
-              <a:t>class_weight</a:t>
-            </a:r>
-            <a:r>
-              <a:rPr lang="en-US" dirty="0"/>
-              <a:t>  </a:t>
-            </a:r>
-            <a:endParaRPr lang="ru-RU" dirty="0" smtClean="0"/>
-          </a:p>
-          <a:p>
-            <a:pPr lvl="1"/>
-            <a:r>
-              <a:rPr lang="en-US" b="1" dirty="0"/>
-              <a:t>solver</a:t>
-            </a:r>
-            <a:r>
-              <a:rPr lang="en-US" dirty="0"/>
-              <a:t> </a:t>
-            </a:r>
-            <a:endParaRPr lang="ru-RU" dirty="0" smtClean="0"/>
-          </a:p>
-          <a:p>
-            <a:pPr lvl="1"/>
-            <a:r>
-              <a:rPr lang="en-US" b="1" dirty="0" err="1"/>
-              <a:t>max_iter</a:t>
-            </a:r>
-            <a:r>
-              <a:rPr lang="en-US" dirty="0"/>
-              <a:t> </a:t>
-            </a:r>
-            <a:endParaRPr lang="ru-RU" dirty="0" smtClean="0"/>
-          </a:p>
-          <a:p>
-            <a:pPr lvl="1"/>
-            <a:r>
-              <a:rPr lang="en-US" dirty="0" err="1"/>
-              <a:t>multi_class</a:t>
-            </a:r>
-            <a:r>
-              <a:rPr lang="en-US" dirty="0"/>
-              <a:t> </a:t>
-            </a:r>
-            <a:endParaRPr lang="ru-RU" dirty="0" smtClean="0"/>
-          </a:p>
-          <a:p>
-            <a:pPr lvl="1"/>
-            <a:r>
-              <a:rPr lang="en-US" dirty="0" err="1"/>
-              <a:t>warm_start</a:t>
-            </a:r>
-            <a:r>
-              <a:rPr lang="en-US" dirty="0"/>
-              <a:t> </a:t>
-            </a:r>
-            <a:endParaRPr lang="ru-RU" dirty="0"/>
-          </a:p>
-        </p:txBody>
-      </p:sp>
+        </p:nvPicPr>
+        <p:blipFill>
+          <a:blip r:embed="rId2" cstate="print">
+            <a:extLst>
+              <a:ext uri="{28A0092B-C50C-407E-A947-70E740481C1C}">
+                <a14:useLocalDpi xmlns:a14="http://schemas.microsoft.com/office/drawing/2010/main" val="0"/>
+              </a:ext>
+            </a:extLst>
+          </a:blip>
+          <a:stretch>
+            <a:fillRect/>
+          </a:stretch>
+        </p:blipFill>
+        <p:spPr>
+          <a:xfrm>
+            <a:off x="898305" y="461640"/>
+            <a:ext cx="10225415" cy="5958850"/>
+          </a:xfrm>
+        </p:spPr>
+      </p:pic>
     </p:spTree>
     <p:extLst>
       <p:ext uri="{BB962C8B-B14F-4D97-AF65-F5344CB8AC3E}">
-        <p14:creationId xmlns:p14="http://schemas.microsoft.com/office/powerpoint/2010/main" val="765065924"/>
+        <p14:creationId xmlns:p14="http://schemas.microsoft.com/office/powerpoint/2010/main" val="1701148410"/>
       </p:ext>
     </p:extLst>
   </p:cSld>
   <p:clrMapOvr>
     <a:masterClrMapping/>
   </p:clrMapOvr>
+  <p:timing>
+    <p:tnLst>
+      <p:par>
+        <p:cTn id="1" dur="indefinite" restart="never" nodeType="tmRoot"/>
+      </p:par>
+    </p:tnLst>
+  </p:timing>
 </p:sld>
 </file>
 
@@ -4411,70 +6121,52 @@
           <a:chExt cx="0" cy="0"/>
         </a:xfrm>
       </p:grpSpPr>
-      <p:sp>
-        <p:nvSpPr>
-          <p:cNvPr id="2" name="Заголовок 1"/>
-          <p:cNvSpPr>
-            <a:spLocks noGrp="1"/>
-          </p:cNvSpPr>
-          <p:nvPr>
-            <p:ph type="title"/>
-          </p:nvPr>
-        </p:nvSpPr>
-        <p:spPr/>
-        <p:txBody>
-          <a:bodyPr/>
-          <a:lstStyle/>
-          <a:p>
-            <a:r>
-              <a:rPr lang="ru-RU" dirty="0" smtClean="0"/>
-              <a:t>График</a:t>
-            </a:r>
-            <a:r>
-              <a:rPr lang="en-US" dirty="0" smtClean="0"/>
-              <a:t> (</a:t>
-            </a:r>
-            <a:r>
-              <a:rPr lang="ru-RU" dirty="0" smtClean="0"/>
-              <a:t>скоро будет</a:t>
-            </a:r>
-            <a:r>
-              <a:rPr lang="en-US" dirty="0" smtClean="0"/>
-              <a:t>)</a:t>
-            </a:r>
-            <a:endParaRPr lang="ru-RU" dirty="0"/>
-          </a:p>
-        </p:txBody>
-      </p:sp>
-      <p:sp>
-        <p:nvSpPr>
-          <p:cNvPr id="3" name="Объект 2"/>
-          <p:cNvSpPr>
-            <a:spLocks noGrp="1"/>
-          </p:cNvSpPr>
+      <p:pic>
+        <p:nvPicPr>
+          <p:cNvPr id="6" name="Объект 5"/>
+          <p:cNvPicPr>
+            <a:picLocks noGrp="1" noChangeAspect="1"/>
+          </p:cNvPicPr>
           <p:nvPr>
             <p:ph idx="1"/>
           </p:nvPr>
-        </p:nvSpPr>
-        <p:spPr/>
-        <p:txBody>
-          <a:bodyPr/>
-          <a:lstStyle/>
-          <a:p>
-            <a:endParaRPr lang="ru-RU" dirty="0"/>
-          </a:p>
-        </p:txBody>
-      </p:sp>
+        </p:nvPicPr>
+        <p:blipFill>
+          <a:blip r:embed="rId2" cstate="print">
+            <a:extLst>
+              <a:ext uri="{28A0092B-C50C-407E-A947-70E740481C1C}">
+                <a14:useLocalDpi xmlns:a14="http://schemas.microsoft.com/office/drawing/2010/main" val="0"/>
+              </a:ext>
+            </a:extLst>
+          </a:blip>
+          <a:stretch>
+            <a:fillRect/>
+          </a:stretch>
+        </p:blipFill>
+        <p:spPr>
+          <a:xfrm>
+            <a:off x="893897" y="399496"/>
+            <a:ext cx="10380357" cy="5981654"/>
+          </a:xfrm>
+        </p:spPr>
+      </p:pic>
     </p:spTree>
     <p:extLst>
       <p:ext uri="{BB962C8B-B14F-4D97-AF65-F5344CB8AC3E}">
-        <p14:creationId xmlns:p14="http://schemas.microsoft.com/office/powerpoint/2010/main" val="1701148410"/>
+        <p14:creationId xmlns:p14="http://schemas.microsoft.com/office/powerpoint/2010/main" val="2011703110"/>
       </p:ext>
     </p:extLst>
   </p:cSld>
   <p:clrMapOvr>
     <a:masterClrMapping/>
   </p:clrMapOvr>
+  <p:timing>
+    <p:tnLst>
+      <p:par>
+        <p:cTn id="1" dur="indefinite" restart="never" nodeType="tmRoot"/>
+      </p:par>
+    </p:tnLst>
+  </p:timing>
 </p:sld>
 </file>
 
@@ -4497,7 +6189,7 @@
       </p:grpSpPr>
       <p:pic>
         <p:nvPicPr>
-          <p:cNvPr id="4" name="Объект 3"/>
+          <p:cNvPr id="6" name="Объект 5"/>
           <p:cNvPicPr>
             <a:picLocks noGrp="1" noChangeAspect="1"/>
           </p:cNvPicPr>
@@ -4506,31 +6198,41 @@
           </p:nvPr>
         </p:nvPicPr>
         <p:blipFill>
-          <a:blip r:embed="rId2"/>
+          <a:blip r:embed="rId2" cstate="print">
+            <a:extLst>
+              <a:ext uri="{28A0092B-C50C-407E-A947-70E740481C1C}">
+                <a14:useLocalDpi xmlns:a14="http://schemas.microsoft.com/office/drawing/2010/main" val="0"/>
+              </a:ext>
+            </a:extLst>
+          </a:blip>
           <a:stretch>
             <a:fillRect/>
           </a:stretch>
         </p:blipFill>
         <p:spPr>
           <a:xfrm>
-            <a:off x="1064029" y="367323"/>
-            <a:ext cx="9945470" cy="6316718"/>
+            <a:off x="845751" y="550416"/>
+            <a:ext cx="10229514" cy="5928388"/>
           </a:xfrm>
-          <a:prstGeom prst="rect">
-            <a:avLst/>
-          </a:prstGeom>
         </p:spPr>
       </p:pic>
     </p:spTree>
     <p:extLst>
       <p:ext uri="{BB962C8B-B14F-4D97-AF65-F5344CB8AC3E}">
-        <p14:creationId xmlns:p14="http://schemas.microsoft.com/office/powerpoint/2010/main" val="2011703110"/>
+        <p14:creationId xmlns:p14="http://schemas.microsoft.com/office/powerpoint/2010/main" val="3175491973"/>
       </p:ext>
     </p:extLst>
   </p:cSld>
   <p:clrMapOvr>
     <a:masterClrMapping/>
   </p:clrMapOvr>
+  <p:timing>
+    <p:tnLst>
+      <p:par>
+        <p:cTn id="1" dur="indefinite" restart="never" nodeType="tmRoot"/>
+      </p:par>
+    </p:tnLst>
+  </p:timing>
 </p:sld>
 </file>
 
@@ -4793,4 +6495,265 @@
     </a:ext>
   </a:extLst>
 </a:theme>
+</file>
+
+<file path=ppt/theme/theme2.xml><?xml version="1.0" encoding="utf-8"?>
+<a:theme xmlns:a="http://schemas.openxmlformats.org/drawingml/2006/main" name="Тема Office">
+  <a:themeElements>
+    <a:clrScheme name="Стандартная">
+      <a:dk1>
+        <a:sysClr val="windowText" lastClr="000000"/>
+      </a:dk1>
+      <a:lt1>
+        <a:sysClr val="window" lastClr="FFFFFF"/>
+      </a:lt1>
+      <a:dk2>
+        <a:srgbClr val="44546A"/>
+      </a:dk2>
+      <a:lt2>
+        <a:srgbClr val="E7E6E6"/>
+      </a:lt2>
+      <a:accent1>
+        <a:srgbClr val="5B9BD5"/>
+      </a:accent1>
+      <a:accent2>
+        <a:srgbClr val="ED7D31"/>
+      </a:accent2>
+      <a:accent3>
+        <a:srgbClr val="A5A5A5"/>
+      </a:accent3>
+      <a:accent4>
+        <a:srgbClr val="FFC000"/>
+      </a:accent4>
+      <a:accent5>
+        <a:srgbClr val="4472C4"/>
+      </a:accent5>
+      <a:accent6>
+        <a:srgbClr val="70AD47"/>
+      </a:accent6>
+      <a:hlink>
+        <a:srgbClr val="0563C1"/>
+      </a:hlink>
+      <a:folHlink>
+        <a:srgbClr val="954F72"/>
+      </a:folHlink>
+    </a:clrScheme>
+    <a:fontScheme name="Стандартная">
+      <a:majorFont>
+        <a:latin typeface="Calibri Light" panose="020F0302020204030204"/>
+        <a:ea typeface=""/>
+        <a:cs typeface=""/>
+        <a:font script="Jpan" typeface="游ゴシック Light"/>
+        <a:font script="Hang" typeface="맑은 고딕"/>
+        <a:font script="Hans" typeface="等线 Light"/>
+        <a:font script="Hant" typeface="新細明體"/>
+        <a:font script="Arab" typeface="Times New Roman"/>
+        <a:font script="Hebr" typeface="Times New Roman"/>
+        <a:font script="Thai" typeface="Angsana New"/>
+        <a:font script="Ethi" typeface="Nyala"/>
+        <a:font script="Beng" typeface="Vrinda"/>
+        <a:font script="Gujr" typeface="Shruti"/>
+        <a:font script="Khmr" typeface="MoolBoran"/>
+        <a:font script="Knda" typeface="Tunga"/>
+        <a:font script="Guru" typeface="Raavi"/>
+        <a:font script="Cans" typeface="Euphemia"/>
+        <a:font script="Cher" typeface="Plantagenet Cherokee"/>
+        <a:font script="Yiii" typeface="Microsoft Yi Baiti"/>
+        <a:font script="Tibt" typeface="Microsoft Himalaya"/>
+        <a:font script="Thaa" typeface="MV Boli"/>
+        <a:font script="Deva" typeface="Mangal"/>
+        <a:font script="Telu" typeface="Gautami"/>
+        <a:font script="Taml" typeface="Latha"/>
+        <a:font script="Syrc" typeface="Estrangelo Edessa"/>
+        <a:font script="Orya" typeface="Kalinga"/>
+        <a:font script="Mlym" typeface="Kartika"/>
+        <a:font script="Laoo" typeface="DokChampa"/>
+        <a:font script="Sinh" typeface="Iskoola Pota"/>
+        <a:font script="Mong" typeface="Mongolian Baiti"/>
+        <a:font script="Viet" typeface="Times New Roman"/>
+        <a:font script="Uigh" typeface="Microsoft Uighur"/>
+        <a:font script="Geor" typeface="Sylfaen"/>
+      </a:majorFont>
+      <a:minorFont>
+        <a:latin typeface="Calibri" panose="020F0502020204030204"/>
+        <a:ea typeface=""/>
+        <a:cs typeface=""/>
+        <a:font script="Jpan" typeface="游ゴシック"/>
+        <a:font script="Hang" typeface="맑은 고딕"/>
+        <a:font script="Hans" typeface="等线"/>
+        <a:font script="Hant" typeface="新細明體"/>
+        <a:font script="Arab" typeface="Arial"/>
+        <a:font script="Hebr" typeface="Arial"/>
+        <a:font script="Thai" typeface="Cordia New"/>
+        <a:font script="Ethi" typeface="Nyala"/>
+        <a:font script="Beng" typeface="Vrinda"/>
+        <a:font script="Gujr" typeface="Shruti"/>
+        <a:font script="Khmr" typeface="DaunPenh"/>
+        <a:font script="Knda" typeface="Tunga"/>
+        <a:font script="Guru" typeface="Raavi"/>
+        <a:font script="Cans" typeface="Euphemia"/>
+        <a:font script="Cher" typeface="Plantagenet Cherokee"/>
+        <a:font script="Yiii" typeface="Microsoft Yi Baiti"/>
+        <a:font script="Tibt" typeface="Microsoft Himalaya"/>
+        <a:font script="Thaa" typeface="MV Boli"/>
+        <a:font script="Deva" typeface="Mangal"/>
+        <a:font script="Telu" typeface="Gautami"/>
+        <a:font script="Taml" typeface="Latha"/>
+        <a:font script="Syrc" typeface="Estrangelo Edessa"/>
+        <a:font script="Orya" typeface="Kalinga"/>
+        <a:font script="Mlym" typeface="Kartika"/>
+        <a:font script="Laoo" typeface="DokChampa"/>
+        <a:font script="Sinh" typeface="Iskoola Pota"/>
+        <a:font script="Mong" typeface="Mongolian Baiti"/>
+        <a:font script="Viet" typeface="Arial"/>
+        <a:font script="Uigh" typeface="Microsoft Uighur"/>
+        <a:font script="Geor" typeface="Sylfaen"/>
+      </a:minorFont>
+    </a:fontScheme>
+    <a:fmtScheme name="Стандартная">
+      <a:fillStyleLst>
+        <a:solidFill>
+          <a:schemeClr val="phClr"/>
+        </a:solidFill>
+        <a:gradFill rotWithShape="1">
+          <a:gsLst>
+            <a:gs pos="0">
+              <a:schemeClr val="phClr">
+                <a:lumMod val="110000"/>
+                <a:satMod val="105000"/>
+                <a:tint val="67000"/>
+              </a:schemeClr>
+            </a:gs>
+            <a:gs pos="50000">
+              <a:schemeClr val="phClr">
+                <a:lumMod val="105000"/>
+                <a:satMod val="103000"/>
+                <a:tint val="73000"/>
+              </a:schemeClr>
+            </a:gs>
+            <a:gs pos="100000">
+              <a:schemeClr val="phClr">
+                <a:lumMod val="105000"/>
+                <a:satMod val="109000"/>
+                <a:tint val="81000"/>
+              </a:schemeClr>
+            </a:gs>
+          </a:gsLst>
+          <a:lin ang="5400000" scaled="0"/>
+        </a:gradFill>
+        <a:gradFill rotWithShape="1">
+          <a:gsLst>
+            <a:gs pos="0">
+              <a:schemeClr val="phClr">
+                <a:satMod val="103000"/>
+                <a:lumMod val="102000"/>
+                <a:tint val="94000"/>
+              </a:schemeClr>
+            </a:gs>
+            <a:gs pos="50000">
+              <a:schemeClr val="phClr">
+                <a:satMod val="110000"/>
+                <a:lumMod val="100000"/>
+                <a:shade val="100000"/>
+              </a:schemeClr>
+            </a:gs>
+            <a:gs pos="100000">
+              <a:schemeClr val="phClr">
+                <a:lumMod val="99000"/>
+                <a:satMod val="120000"/>
+                <a:shade val="78000"/>
+              </a:schemeClr>
+            </a:gs>
+          </a:gsLst>
+          <a:lin ang="5400000" scaled="0"/>
+        </a:gradFill>
+      </a:fillStyleLst>
+      <a:lnStyleLst>
+        <a:ln w="6350" cap="flat" cmpd="sng" algn="ctr">
+          <a:solidFill>
+            <a:schemeClr val="phClr"/>
+          </a:solidFill>
+          <a:prstDash val="solid"/>
+          <a:miter lim="800000"/>
+        </a:ln>
+        <a:ln w="12700" cap="flat" cmpd="sng" algn="ctr">
+          <a:solidFill>
+            <a:schemeClr val="phClr"/>
+          </a:solidFill>
+          <a:prstDash val="solid"/>
+          <a:miter lim="800000"/>
+        </a:ln>
+        <a:ln w="19050" cap="flat" cmpd="sng" algn="ctr">
+          <a:solidFill>
+            <a:schemeClr val="phClr"/>
+          </a:solidFill>
+          <a:prstDash val="solid"/>
+          <a:miter lim="800000"/>
+        </a:ln>
+      </a:lnStyleLst>
+      <a:effectStyleLst>
+        <a:effectStyle>
+          <a:effectLst/>
+        </a:effectStyle>
+        <a:effectStyle>
+          <a:effectLst/>
+        </a:effectStyle>
+        <a:effectStyle>
+          <a:effectLst>
+            <a:outerShdw blurRad="57150" dist="19050" dir="5400000" algn="ctr" rotWithShape="0">
+              <a:srgbClr val="000000">
+                <a:alpha val="63000"/>
+              </a:srgbClr>
+            </a:outerShdw>
+          </a:effectLst>
+        </a:effectStyle>
+      </a:effectStyleLst>
+      <a:bgFillStyleLst>
+        <a:solidFill>
+          <a:schemeClr val="phClr"/>
+        </a:solidFill>
+        <a:solidFill>
+          <a:schemeClr val="phClr">
+            <a:tint val="95000"/>
+            <a:satMod val="170000"/>
+          </a:schemeClr>
+        </a:solidFill>
+        <a:gradFill rotWithShape="1">
+          <a:gsLst>
+            <a:gs pos="0">
+              <a:schemeClr val="phClr">
+                <a:tint val="93000"/>
+                <a:satMod val="150000"/>
+                <a:shade val="98000"/>
+                <a:lumMod val="102000"/>
+              </a:schemeClr>
+            </a:gs>
+            <a:gs pos="50000">
+              <a:schemeClr val="phClr">
+                <a:tint val="98000"/>
+                <a:satMod val="130000"/>
+                <a:shade val="90000"/>
+                <a:lumMod val="103000"/>
+              </a:schemeClr>
+            </a:gs>
+            <a:gs pos="100000">
+              <a:schemeClr val="phClr">
+                <a:shade val="63000"/>
+                <a:satMod val="120000"/>
+              </a:schemeClr>
+            </a:gs>
+          </a:gsLst>
+          <a:lin ang="5400000" scaled="0"/>
+        </a:gradFill>
+      </a:bgFillStyleLst>
+    </a:fmtScheme>
+  </a:themeElements>
+  <a:objectDefaults/>
+  <a:extraClrSchemeLst/>
+  <a:extLst>
+    <a:ext uri="{05A4C25C-085E-4340-85A3-A5531E510DB2}">
+      <thm15:themeFamily xmlns:thm15="http://schemas.microsoft.com/office/thememl/2012/main" name="Office Theme" id="{62F939B6-93AF-4DB8-9C6B-D6C7DFDC589F}" vid="{4A3C46E8-61CC-4603-A589-7422A47A8E4A}"/>
+    </a:ext>
+  </a:extLst>
+</a:theme>
 </file>